--- a/同城互助系统 - 体系结构设计.pptx
+++ b/同城互助系统 - 体系结构设计.pptx
@@ -14,25 +14,24 @@
     <p:sldId id="261" r:id="rId8"/>
     <p:sldId id="262" r:id="rId9"/>
     <p:sldId id="275" r:id="rId10"/>
-    <p:sldId id="263" r:id="rId11"/>
-    <p:sldId id="264" r:id="rId12"/>
-    <p:sldId id="265" r:id="rId13"/>
-    <p:sldId id="276" r:id="rId14"/>
-    <p:sldId id="266" r:id="rId15"/>
-    <p:sldId id="277" r:id="rId16"/>
-    <p:sldId id="278" r:id="rId17"/>
-    <p:sldId id="267" r:id="rId18"/>
-    <p:sldId id="268" r:id="rId19"/>
-    <p:sldId id="269" r:id="rId20"/>
-    <p:sldId id="270" r:id="rId21"/>
-    <p:sldId id="271" r:id="rId22"/>
-    <p:sldId id="272" r:id="rId23"/>
-    <p:sldId id="273" r:id="rId24"/>
+    <p:sldId id="282" r:id="rId11"/>
+    <p:sldId id="281" r:id="rId12"/>
+    <p:sldId id="263" r:id="rId13"/>
+    <p:sldId id="264" r:id="rId14"/>
+    <p:sldId id="265" r:id="rId15"/>
+    <p:sldId id="280" r:id="rId16"/>
+    <p:sldId id="279" r:id="rId17"/>
+    <p:sldId id="276" r:id="rId18"/>
+    <p:sldId id="266" r:id="rId19"/>
+    <p:sldId id="277" r:id="rId20"/>
+    <p:sldId id="278" r:id="rId21"/>
+    <p:sldId id="283" r:id="rId22"/>
+    <p:sldId id="284" r:id="rId23"/>
   </p:sldIdLst>
   <p:sldSz cx="12192000" cy="6858000"/>
   <p:notesSz cx="6858000" cy="9144000"/>
   <p:custDataLst>
-    <p:tags r:id="rId25"/>
+    <p:tags r:id="rId24"/>
   </p:custDataLst>
   <p:defaultTextStyle>
     <a:defPPr>
@@ -225,7 +224,7 @@
           <a:p>
             <a:fld id="{EB972E49-C203-42EB-B76E-1280A3DA9DB0}" type="datetimeFigureOut">
               <a:rPr lang="zh-CN" altLang="en-US" smtClean="0"/>
-              <a:t>2019/3/25</a:t>
+              <a:t>2019/3/26</a:t>
             </a:fld>
             <a:endParaRPr lang="zh-CN" altLang="en-US"/>
           </a:p>
@@ -1271,7 +1270,7 @@
           <a:p>
             <a:fld id="{EB972E49-C203-42EB-B76E-1280A3DA9DB0}" type="datetimeFigureOut">
               <a:rPr lang="zh-CN" altLang="en-US" smtClean="0"/>
-              <a:t>2019/3/25</a:t>
+              <a:t>2019/3/26</a:t>
             </a:fld>
             <a:endParaRPr lang="zh-CN" altLang="en-US"/>
           </a:p>
@@ -1429,7 +1428,7 @@
           <a:p>
             <a:fld id="{EB972E49-C203-42EB-B76E-1280A3DA9DB0}" type="datetimeFigureOut">
               <a:rPr lang="zh-CN" altLang="en-US" smtClean="0"/>
-              <a:t>2019/3/25</a:t>
+              <a:t>2019/3/26</a:t>
             </a:fld>
             <a:endParaRPr lang="zh-CN" altLang="en-US"/>
           </a:p>
@@ -1596,7 +1595,7 @@
           <a:p>
             <a:fld id="{EB972E49-C203-42EB-B76E-1280A3DA9DB0}" type="datetimeFigureOut">
               <a:rPr lang="zh-CN" altLang="en-US" smtClean="0"/>
-              <a:t>2019/3/25</a:t>
+              <a:t>2019/3/26</a:t>
             </a:fld>
             <a:endParaRPr lang="zh-CN" altLang="en-US"/>
           </a:p>
@@ -1855,7 +1854,7 @@
           <a:p>
             <a:fld id="{EB972E49-C203-42EB-B76E-1280A3DA9DB0}" type="datetimeFigureOut">
               <a:rPr lang="zh-CN" altLang="en-US" smtClean="0"/>
-              <a:t>2019/3/25</a:t>
+              <a:t>2019/3/26</a:t>
             </a:fld>
             <a:endParaRPr lang="zh-CN" altLang="en-US"/>
           </a:p>
@@ -2048,7 +2047,7 @@
           <a:p>
             <a:fld id="{EB972E49-C203-42EB-B76E-1280A3DA9DB0}" type="datetimeFigureOut">
               <a:rPr lang="zh-CN" altLang="en-US" smtClean="0"/>
-              <a:t>2019/3/25</a:t>
+              <a:t>2019/3/26</a:t>
             </a:fld>
             <a:endParaRPr lang="zh-CN" altLang="en-US"/>
           </a:p>
@@ -2375,7 +2374,7 @@
           <a:p>
             <a:fld id="{EB972E49-C203-42EB-B76E-1280A3DA9DB0}" type="datetimeFigureOut">
               <a:rPr lang="zh-CN" altLang="en-US" smtClean="0"/>
-              <a:t>2019/3/25</a:t>
+              <a:t>2019/3/26</a:t>
             </a:fld>
             <a:endParaRPr lang="zh-CN" altLang="en-US"/>
           </a:p>
@@ -2493,7 +2492,7 @@
           <a:p>
             <a:fld id="{EB972E49-C203-42EB-B76E-1280A3DA9DB0}" type="datetimeFigureOut">
               <a:rPr lang="zh-CN" altLang="en-US" smtClean="0"/>
-              <a:t>2019/3/25</a:t>
+              <a:t>2019/3/26</a:t>
             </a:fld>
             <a:endParaRPr lang="zh-CN" altLang="en-US"/>
           </a:p>
@@ -2634,7 +2633,7 @@
           <a:p>
             <a:fld id="{EB972E49-C203-42EB-B76E-1280A3DA9DB0}" type="datetimeFigureOut">
               <a:rPr lang="zh-CN" altLang="en-US" smtClean="0"/>
-              <a:t>2019/3/25</a:t>
+              <a:t>2019/3/26</a:t>
             </a:fld>
             <a:endParaRPr lang="zh-CN" altLang="en-US"/>
           </a:p>
@@ -2891,7 +2890,7 @@
           <a:p>
             <a:fld id="{EB972E49-C203-42EB-B76E-1280A3DA9DB0}" type="datetimeFigureOut">
               <a:rPr lang="zh-CN" altLang="en-US" smtClean="0"/>
-              <a:t>2019/3/25</a:t>
+              <a:t>2019/3/26</a:t>
             </a:fld>
             <a:endParaRPr lang="zh-CN" altLang="en-US"/>
           </a:p>
@@ -3148,7 +3147,7 @@
           <a:p>
             <a:fld id="{EB972E49-C203-42EB-B76E-1280A3DA9DB0}" type="datetimeFigureOut">
               <a:rPr lang="zh-CN" altLang="en-US" smtClean="0"/>
-              <a:t>2019/3/25</a:t>
+              <a:t>2019/3/26</a:t>
             </a:fld>
             <a:endParaRPr lang="zh-CN" altLang="en-US"/>
           </a:p>
@@ -3580,7 +3579,7 @@
           <a:p>
             <a:fld id="{EB972E49-C203-42EB-B76E-1280A3DA9DB0}" type="datetimeFigureOut">
               <a:rPr lang="zh-CN" altLang="en-US" smtClean="0"/>
-              <a:t>2019/3/25</a:t>
+              <a:t>2019/3/26</a:t>
             </a:fld>
             <a:endParaRPr lang="zh-CN" altLang="en-US"/>
           </a:p>
@@ -4180,6 +4179,2065 @@
           <p:cNvPr id="2" name="标题 1">
             <a:extLst>
               <a:ext uri="{FF2B5EF4-FFF2-40B4-BE49-F238E27FC236}">
+                <a16:creationId xmlns:a16="http://schemas.microsoft.com/office/drawing/2014/main" id="{F3BFB063-CB10-4516-B540-D93C37092892}"/>
+              </a:ext>
+            </a:extLst>
+          </p:cNvPr>
+          <p:cNvSpPr>
+            <a:spLocks noGrp="1"/>
+          </p:cNvSpPr>
+          <p:nvPr>
+            <p:ph type="title"/>
+          </p:nvPr>
+        </p:nvSpPr>
+        <p:spPr/>
+        <p:txBody>
+          <a:bodyPr/>
+          <a:lstStyle/>
+          <a:p>
+            <a:r>
+              <a:rPr lang="en-US" altLang="zh-CN" dirty="0"/>
+              <a:t>MVC</a:t>
+            </a:r>
+            <a:r>
+              <a:rPr lang="zh-CN" altLang="en-US" dirty="0"/>
+              <a:t>与管道架构的比较</a:t>
+            </a:r>
+          </a:p>
+        </p:txBody>
+      </p:sp>
+      <p:graphicFrame>
+        <p:nvGraphicFramePr>
+          <p:cNvPr id="8" name="表格 7">
+            <a:extLst>
+              <a:ext uri="{FF2B5EF4-FFF2-40B4-BE49-F238E27FC236}">
+                <a16:creationId xmlns:a16="http://schemas.microsoft.com/office/drawing/2014/main" id="{17AAA81A-DBFA-467F-8EF0-AC113A2D64B5}"/>
+              </a:ext>
+            </a:extLst>
+          </p:cNvPr>
+          <p:cNvGraphicFramePr>
+            <a:graphicFrameLocks noGrp="1"/>
+          </p:cNvGraphicFramePr>
+          <p:nvPr>
+            <p:extLst>
+              <p:ext uri="{D42A27DB-BD31-4B8C-83A1-F6EECF244321}">
+                <p14:modId xmlns:p14="http://schemas.microsoft.com/office/powerpoint/2010/main" val="2037732131"/>
+              </p:ext>
+            </p:extLst>
+          </p:nvPr>
+        </p:nvGraphicFramePr>
+        <p:xfrm>
+          <a:off x="1209787" y="1678492"/>
+          <a:ext cx="9744540" cy="3585123"/>
+        </p:xfrm>
+        <a:graphic>
+          <a:graphicData uri="http://schemas.openxmlformats.org/drawingml/2006/table">
+            <a:tbl>
+              <a:tblPr firstRow="1" firstCol="1" bandRow="1">
+                <a:tableStyleId>{5C22544A-7EE6-4342-B048-85BDC9FD1C3A}</a:tableStyleId>
+              </a:tblPr>
+              <a:tblGrid>
+                <a:gridCol w="1947306">
+                  <a:extLst>
+                    <a:ext uri="{9D8B030D-6E8A-4147-A177-3AD203B41FA5}">
+                      <a16:colId xmlns:a16="http://schemas.microsoft.com/office/drawing/2014/main" val="1679342641"/>
+                    </a:ext>
+                  </a:extLst>
+                </a:gridCol>
+                <a:gridCol w="1948449">
+                  <a:extLst>
+                    <a:ext uri="{9D8B030D-6E8A-4147-A177-3AD203B41FA5}">
+                      <a16:colId xmlns:a16="http://schemas.microsoft.com/office/drawing/2014/main" val="140103391"/>
+                    </a:ext>
+                  </a:extLst>
+                </a:gridCol>
+                <a:gridCol w="1949595">
+                  <a:extLst>
+                    <a:ext uri="{9D8B030D-6E8A-4147-A177-3AD203B41FA5}">
+                      <a16:colId xmlns:a16="http://schemas.microsoft.com/office/drawing/2014/main" val="2299208457"/>
+                    </a:ext>
+                  </a:extLst>
+                </a:gridCol>
+                <a:gridCol w="1949595">
+                  <a:extLst>
+                    <a:ext uri="{9D8B030D-6E8A-4147-A177-3AD203B41FA5}">
+                      <a16:colId xmlns:a16="http://schemas.microsoft.com/office/drawing/2014/main" val="4156701173"/>
+                    </a:ext>
+                  </a:extLst>
+                </a:gridCol>
+                <a:gridCol w="1949595">
+                  <a:extLst>
+                    <a:ext uri="{9D8B030D-6E8A-4147-A177-3AD203B41FA5}">
+                      <a16:colId xmlns:a16="http://schemas.microsoft.com/office/drawing/2014/main" val="901565916"/>
+                    </a:ext>
+                  </a:extLst>
+                </a:gridCol>
+              </a:tblGrid>
+              <a:tr h="622356">
+                <a:tc>
+                  <a:txBody>
+                    <a:bodyPr/>
+                    <a:lstStyle/>
+                    <a:p>
+                      <a:pPr algn="just">
+                        <a:spcAft>
+                          <a:spcPts val="0"/>
+                        </a:spcAft>
+                      </a:pPr>
+                      <a:r>
+                        <a:rPr lang="en-US" sz="4400" kern="0" dirty="0">
+                          <a:effectLst/>
+                        </a:rPr>
+                        <a:t> </a:t>
+                      </a:r>
+                      <a:endParaRPr lang="zh-CN" sz="4800" kern="100" dirty="0">
+                        <a:effectLst/>
+                        <a:latin typeface="等线" panose="02010600030101010101" pitchFamily="2" charset="-122"/>
+                        <a:ea typeface="等线" panose="02010600030101010101" pitchFamily="2" charset="-122"/>
+                        <a:cs typeface="Times New Roman" panose="02020603050405020304" pitchFamily="18" charset="0"/>
+                      </a:endParaRPr>
+                    </a:p>
+                  </a:txBody>
+                  <a:tcPr marL="68580" marR="68580" marT="0" marB="0"/>
+                </a:tc>
+                <a:tc gridSpan="2">
+                  <a:txBody>
+                    <a:bodyPr/>
+                    <a:lstStyle/>
+                    <a:p>
+                      <a:pPr algn="ctr">
+                        <a:spcAft>
+                          <a:spcPts val="0"/>
+                        </a:spcAft>
+                      </a:pPr>
+                      <a:r>
+                        <a:rPr lang="zh-CN" sz="2800" kern="0" dirty="0">
+                          <a:effectLst/>
+                        </a:rPr>
+                        <a:t>管道过滤器</a:t>
+                      </a:r>
+                      <a:endParaRPr lang="zh-CN" sz="3200" kern="100" dirty="0">
+                        <a:effectLst/>
+                        <a:latin typeface="等线" panose="02010600030101010101" pitchFamily="2" charset="-122"/>
+                        <a:ea typeface="等线" panose="02010600030101010101" pitchFamily="2" charset="-122"/>
+                        <a:cs typeface="Times New Roman" panose="02020603050405020304" pitchFamily="18" charset="0"/>
+                      </a:endParaRPr>
+                    </a:p>
+                  </a:txBody>
+                  <a:tcPr marL="68580" marR="68580" marT="0" marB="0"/>
+                </a:tc>
+                <a:tc hMerge="1">
+                  <a:txBody>
+                    <a:bodyPr/>
+                    <a:lstStyle/>
+                    <a:p>
+                      <a:endParaRPr lang="zh-CN" altLang="en-US"/>
+                    </a:p>
+                  </a:txBody>
+                  <a:tcPr/>
+                </a:tc>
+                <a:tc gridSpan="2">
+                  <a:txBody>
+                    <a:bodyPr/>
+                    <a:lstStyle/>
+                    <a:p>
+                      <a:pPr algn="ctr">
+                        <a:spcAft>
+                          <a:spcPts val="0"/>
+                        </a:spcAft>
+                      </a:pPr>
+                      <a:r>
+                        <a:rPr lang="en-US" sz="2800" kern="0" dirty="0">
+                          <a:effectLst/>
+                        </a:rPr>
+                        <a:t>MVC</a:t>
+                      </a:r>
+                      <a:endParaRPr lang="zh-CN" sz="3200" kern="100" dirty="0">
+                        <a:effectLst/>
+                        <a:latin typeface="等线" panose="02010600030101010101" pitchFamily="2" charset="-122"/>
+                        <a:ea typeface="等线" panose="02010600030101010101" pitchFamily="2" charset="-122"/>
+                        <a:cs typeface="Times New Roman" panose="02020603050405020304" pitchFamily="18" charset="0"/>
+                      </a:endParaRPr>
+                    </a:p>
+                  </a:txBody>
+                  <a:tcPr marL="68580" marR="68580" marT="0" marB="0"/>
+                </a:tc>
+                <a:tc hMerge="1">
+                  <a:txBody>
+                    <a:bodyPr/>
+                    <a:lstStyle/>
+                    <a:p>
+                      <a:endParaRPr lang="zh-CN" altLang="en-US"/>
+                    </a:p>
+                  </a:txBody>
+                  <a:tcPr/>
+                </a:tc>
+                <a:extLst>
+                  <a:ext uri="{0D108BD9-81ED-4DB2-BD59-A6C34878D82A}">
+                    <a16:rowId xmlns:a16="http://schemas.microsoft.com/office/drawing/2014/main" val="1914616577"/>
+                  </a:ext>
+                </a:extLst>
+              </a:tr>
+              <a:tr h="198022">
+                <a:tc>
+                  <a:txBody>
+                    <a:bodyPr/>
+                    <a:lstStyle/>
+                    <a:p>
+                      <a:pPr algn="just">
+                        <a:spcAft>
+                          <a:spcPts val="0"/>
+                        </a:spcAft>
+                      </a:pPr>
+                      <a:r>
+                        <a:rPr lang="zh-CN" sz="1400" kern="0">
+                          <a:effectLst/>
+                        </a:rPr>
+                        <a:t>比较方面</a:t>
+                      </a:r>
+                      <a:endParaRPr lang="zh-CN" sz="1600" kern="100">
+                        <a:effectLst/>
+                        <a:latin typeface="等线" panose="02010600030101010101" pitchFamily="2" charset="-122"/>
+                        <a:ea typeface="等线" panose="02010600030101010101" pitchFamily="2" charset="-122"/>
+                        <a:cs typeface="Times New Roman" panose="02020603050405020304" pitchFamily="18" charset="0"/>
+                      </a:endParaRPr>
+                    </a:p>
+                  </a:txBody>
+                  <a:tcPr marL="68580" marR="68580" marT="0" marB="0"/>
+                </a:tc>
+                <a:tc>
+                  <a:txBody>
+                    <a:bodyPr/>
+                    <a:lstStyle/>
+                    <a:p>
+                      <a:pPr algn="just">
+                        <a:spcAft>
+                          <a:spcPts val="0"/>
+                        </a:spcAft>
+                      </a:pPr>
+                      <a:r>
+                        <a:rPr lang="en-US" sz="1400" kern="0" dirty="0">
+                          <a:effectLst/>
+                        </a:rPr>
+                        <a:t>pros</a:t>
+                      </a:r>
+                      <a:endParaRPr lang="zh-CN" sz="1600" kern="100" dirty="0">
+                        <a:effectLst/>
+                        <a:latin typeface="等线" panose="02010600030101010101" pitchFamily="2" charset="-122"/>
+                        <a:ea typeface="等线" panose="02010600030101010101" pitchFamily="2" charset="-122"/>
+                        <a:cs typeface="Times New Roman" panose="02020603050405020304" pitchFamily="18" charset="0"/>
+                      </a:endParaRPr>
+                    </a:p>
+                  </a:txBody>
+                  <a:tcPr marL="68580" marR="68580" marT="0" marB="0"/>
+                </a:tc>
+                <a:tc>
+                  <a:txBody>
+                    <a:bodyPr/>
+                    <a:lstStyle/>
+                    <a:p>
+                      <a:pPr algn="just">
+                        <a:spcAft>
+                          <a:spcPts val="0"/>
+                        </a:spcAft>
+                      </a:pPr>
+                      <a:r>
+                        <a:rPr lang="en-US" sz="1400" kern="0">
+                          <a:effectLst/>
+                        </a:rPr>
+                        <a:t>cons</a:t>
+                      </a:r>
+                      <a:endParaRPr lang="zh-CN" sz="1600" kern="100">
+                        <a:effectLst/>
+                        <a:latin typeface="等线" panose="02010600030101010101" pitchFamily="2" charset="-122"/>
+                        <a:ea typeface="等线" panose="02010600030101010101" pitchFamily="2" charset="-122"/>
+                        <a:cs typeface="Times New Roman" panose="02020603050405020304" pitchFamily="18" charset="0"/>
+                      </a:endParaRPr>
+                    </a:p>
+                  </a:txBody>
+                  <a:tcPr marL="68580" marR="68580" marT="0" marB="0"/>
+                </a:tc>
+                <a:tc>
+                  <a:txBody>
+                    <a:bodyPr/>
+                    <a:lstStyle/>
+                    <a:p>
+                      <a:pPr algn="just">
+                        <a:spcAft>
+                          <a:spcPts val="0"/>
+                        </a:spcAft>
+                      </a:pPr>
+                      <a:r>
+                        <a:rPr lang="en-US" sz="1400" kern="0">
+                          <a:effectLst/>
+                        </a:rPr>
+                        <a:t>pros</a:t>
+                      </a:r>
+                      <a:endParaRPr lang="zh-CN" sz="1600" kern="100">
+                        <a:effectLst/>
+                        <a:latin typeface="等线" panose="02010600030101010101" pitchFamily="2" charset="-122"/>
+                        <a:ea typeface="等线" panose="02010600030101010101" pitchFamily="2" charset="-122"/>
+                        <a:cs typeface="Times New Roman" panose="02020603050405020304" pitchFamily="18" charset="0"/>
+                      </a:endParaRPr>
+                    </a:p>
+                  </a:txBody>
+                  <a:tcPr marL="68580" marR="68580" marT="0" marB="0"/>
+                </a:tc>
+                <a:tc>
+                  <a:txBody>
+                    <a:bodyPr/>
+                    <a:lstStyle/>
+                    <a:p>
+                      <a:pPr algn="just">
+                        <a:spcAft>
+                          <a:spcPts val="0"/>
+                        </a:spcAft>
+                      </a:pPr>
+                      <a:r>
+                        <a:rPr lang="en-US" sz="1400" kern="0">
+                          <a:effectLst/>
+                        </a:rPr>
+                        <a:t>cons</a:t>
+                      </a:r>
+                      <a:endParaRPr lang="zh-CN" sz="1600" kern="100">
+                        <a:effectLst/>
+                        <a:latin typeface="等线" panose="02010600030101010101" pitchFamily="2" charset="-122"/>
+                        <a:ea typeface="等线" panose="02010600030101010101" pitchFamily="2" charset="-122"/>
+                        <a:cs typeface="Times New Roman" panose="02020603050405020304" pitchFamily="18" charset="0"/>
+                      </a:endParaRPr>
+                    </a:p>
+                  </a:txBody>
+                  <a:tcPr marL="68580" marR="68580" marT="0" marB="0"/>
+                </a:tc>
+                <a:extLst>
+                  <a:ext uri="{0D108BD9-81ED-4DB2-BD59-A6C34878D82A}">
+                    <a16:rowId xmlns:a16="http://schemas.microsoft.com/office/drawing/2014/main" val="91366002"/>
+                  </a:ext>
+                </a:extLst>
+              </a:tr>
+              <a:tr h="710842">
+                <a:tc>
+                  <a:txBody>
+                    <a:bodyPr/>
+                    <a:lstStyle/>
+                    <a:p>
+                      <a:pPr algn="just">
+                        <a:spcAft>
+                          <a:spcPts val="0"/>
+                        </a:spcAft>
+                      </a:pPr>
+                      <a:r>
+                        <a:rPr lang="zh-CN" sz="1400" kern="0">
+                          <a:effectLst/>
+                        </a:rPr>
+                        <a:t>安全性</a:t>
+                      </a:r>
+                      <a:endParaRPr lang="zh-CN" sz="1600" kern="100">
+                        <a:effectLst/>
+                        <a:latin typeface="等线" panose="02010600030101010101" pitchFamily="2" charset="-122"/>
+                        <a:ea typeface="等线" panose="02010600030101010101" pitchFamily="2" charset="-122"/>
+                        <a:cs typeface="Times New Roman" panose="02020603050405020304" pitchFamily="18" charset="0"/>
+                      </a:endParaRPr>
+                    </a:p>
+                  </a:txBody>
+                  <a:tcPr marL="68580" marR="68580" marT="0" marB="0"/>
+                </a:tc>
+                <a:tc>
+                  <a:txBody>
+                    <a:bodyPr/>
+                    <a:lstStyle/>
+                    <a:p>
+                      <a:pPr algn="just">
+                        <a:spcAft>
+                          <a:spcPts val="0"/>
+                        </a:spcAft>
+                      </a:pPr>
+                      <a:r>
+                        <a:rPr lang="en-US" sz="1400" kern="0" dirty="0">
+                          <a:effectLst/>
+                        </a:rPr>
+                        <a:t> </a:t>
+                      </a:r>
+                      <a:endParaRPr lang="zh-CN" sz="1600" kern="100" dirty="0">
+                        <a:effectLst/>
+                        <a:latin typeface="等线" panose="02010600030101010101" pitchFamily="2" charset="-122"/>
+                        <a:ea typeface="等线" panose="02010600030101010101" pitchFamily="2" charset="-122"/>
+                        <a:cs typeface="Times New Roman" panose="02020603050405020304" pitchFamily="18" charset="0"/>
+                      </a:endParaRPr>
+                    </a:p>
+                  </a:txBody>
+                  <a:tcPr marL="68580" marR="68580" marT="0" marB="0"/>
+                </a:tc>
+                <a:tc>
+                  <a:txBody>
+                    <a:bodyPr/>
+                    <a:lstStyle/>
+                    <a:p>
+                      <a:pPr algn="just">
+                        <a:spcAft>
+                          <a:spcPts val="0"/>
+                        </a:spcAft>
+                      </a:pPr>
+                      <a:r>
+                        <a:rPr lang="zh-CN" sz="1400" kern="0">
+                          <a:effectLst/>
+                        </a:rPr>
+                        <a:t>管道过滤器架构的每个过滤器都可能被单独攻击</a:t>
+                      </a:r>
+                      <a:endParaRPr lang="zh-CN" sz="1600" kern="100">
+                        <a:effectLst/>
+                        <a:latin typeface="等线" panose="02010600030101010101" pitchFamily="2" charset="-122"/>
+                        <a:ea typeface="等线" panose="02010600030101010101" pitchFamily="2" charset="-122"/>
+                        <a:cs typeface="Times New Roman" panose="02020603050405020304" pitchFamily="18" charset="0"/>
+                      </a:endParaRPr>
+                    </a:p>
+                  </a:txBody>
+                  <a:tcPr marL="68580" marR="68580" marT="0" marB="0"/>
+                </a:tc>
+                <a:tc>
+                  <a:txBody>
+                    <a:bodyPr/>
+                    <a:lstStyle/>
+                    <a:p>
+                      <a:pPr algn="just">
+                        <a:spcAft>
+                          <a:spcPts val="0"/>
+                        </a:spcAft>
+                      </a:pPr>
+                      <a:r>
+                        <a:rPr lang="en-US" sz="1400" kern="0">
+                          <a:effectLst/>
+                        </a:rPr>
+                        <a:t>MVC</a:t>
+                      </a:r>
+                      <a:r>
+                        <a:rPr lang="zh-CN" sz="1400" kern="0">
+                          <a:effectLst/>
+                        </a:rPr>
+                        <a:t>没有安全性方面的明显缺点</a:t>
+                      </a:r>
+                      <a:endParaRPr lang="zh-CN" sz="1600" kern="100">
+                        <a:effectLst/>
+                        <a:latin typeface="等线" panose="02010600030101010101" pitchFamily="2" charset="-122"/>
+                        <a:ea typeface="等线" panose="02010600030101010101" pitchFamily="2" charset="-122"/>
+                        <a:cs typeface="Times New Roman" panose="02020603050405020304" pitchFamily="18" charset="0"/>
+                      </a:endParaRPr>
+                    </a:p>
+                  </a:txBody>
+                  <a:tcPr marL="68580" marR="68580" marT="0" marB="0"/>
+                </a:tc>
+                <a:tc>
+                  <a:txBody>
+                    <a:bodyPr/>
+                    <a:lstStyle/>
+                    <a:p>
+                      <a:pPr algn="just">
+                        <a:spcAft>
+                          <a:spcPts val="0"/>
+                        </a:spcAft>
+                      </a:pPr>
+                      <a:r>
+                        <a:rPr lang="en-US" sz="1400" kern="0">
+                          <a:effectLst/>
+                        </a:rPr>
+                        <a:t> </a:t>
+                      </a:r>
+                      <a:endParaRPr lang="zh-CN" sz="1600" kern="100">
+                        <a:effectLst/>
+                        <a:latin typeface="等线" panose="02010600030101010101" pitchFamily="2" charset="-122"/>
+                        <a:ea typeface="等线" panose="02010600030101010101" pitchFamily="2" charset="-122"/>
+                        <a:cs typeface="Times New Roman" panose="02020603050405020304" pitchFamily="18" charset="0"/>
+                      </a:endParaRPr>
+                    </a:p>
+                  </a:txBody>
+                  <a:tcPr marL="68580" marR="68580" marT="0" marB="0"/>
+                </a:tc>
+                <a:extLst>
+                  <a:ext uri="{0D108BD9-81ED-4DB2-BD59-A6C34878D82A}">
+                    <a16:rowId xmlns:a16="http://schemas.microsoft.com/office/drawing/2014/main" val="3621321145"/>
+                  </a:ext>
+                </a:extLst>
+              </a:tr>
+              <a:tr h="853012">
+                <a:tc>
+                  <a:txBody>
+                    <a:bodyPr/>
+                    <a:lstStyle/>
+                    <a:p>
+                      <a:pPr algn="just">
+                        <a:spcAft>
+                          <a:spcPts val="0"/>
+                        </a:spcAft>
+                      </a:pPr>
+                      <a:r>
+                        <a:rPr lang="zh-CN" sz="1400" kern="0">
+                          <a:effectLst/>
+                        </a:rPr>
+                        <a:t>可用性</a:t>
+                      </a:r>
+                      <a:endParaRPr lang="zh-CN" sz="1600" kern="100">
+                        <a:effectLst/>
+                        <a:latin typeface="等线" panose="02010600030101010101" pitchFamily="2" charset="-122"/>
+                        <a:ea typeface="等线" panose="02010600030101010101" pitchFamily="2" charset="-122"/>
+                        <a:cs typeface="Times New Roman" panose="02020603050405020304" pitchFamily="18" charset="0"/>
+                      </a:endParaRPr>
+                    </a:p>
+                  </a:txBody>
+                  <a:tcPr marL="68580" marR="68580" marT="0" marB="0"/>
+                </a:tc>
+                <a:tc>
+                  <a:txBody>
+                    <a:bodyPr/>
+                    <a:lstStyle/>
+                    <a:p>
+                      <a:pPr algn="just">
+                        <a:spcAft>
+                          <a:spcPts val="0"/>
+                        </a:spcAft>
+                      </a:pPr>
+                      <a:r>
+                        <a:rPr lang="en-US" sz="1400" kern="0" dirty="0">
+                          <a:effectLst/>
+                        </a:rPr>
+                        <a:t> </a:t>
+                      </a:r>
+                      <a:endParaRPr lang="zh-CN" sz="1600" kern="100" dirty="0">
+                        <a:effectLst/>
+                        <a:latin typeface="等线" panose="02010600030101010101" pitchFamily="2" charset="-122"/>
+                        <a:ea typeface="等线" panose="02010600030101010101" pitchFamily="2" charset="-122"/>
+                        <a:cs typeface="Times New Roman" panose="02020603050405020304" pitchFamily="18" charset="0"/>
+                      </a:endParaRPr>
+                    </a:p>
+                  </a:txBody>
+                  <a:tcPr marL="68580" marR="68580" marT="0" marB="0"/>
+                </a:tc>
+                <a:tc>
+                  <a:txBody>
+                    <a:bodyPr/>
+                    <a:lstStyle/>
+                    <a:p>
+                      <a:pPr algn="just">
+                        <a:spcAft>
+                          <a:spcPts val="0"/>
+                        </a:spcAft>
+                      </a:pPr>
+                      <a:r>
+                        <a:rPr lang="zh-CN" sz="1400" kern="0" dirty="0">
+                          <a:effectLst/>
+                        </a:rPr>
+                        <a:t>系统是线性连续的，一旦一个环节发生问题整个系统就会崩溃</a:t>
+                      </a:r>
+                      <a:endParaRPr lang="zh-CN" sz="1600" kern="100" dirty="0">
+                        <a:effectLst/>
+                        <a:latin typeface="等线" panose="02010600030101010101" pitchFamily="2" charset="-122"/>
+                        <a:ea typeface="等线" panose="02010600030101010101" pitchFamily="2" charset="-122"/>
+                        <a:cs typeface="Times New Roman" panose="02020603050405020304" pitchFamily="18" charset="0"/>
+                      </a:endParaRPr>
+                    </a:p>
+                  </a:txBody>
+                  <a:tcPr marL="68580" marR="68580" marT="0" marB="0"/>
+                </a:tc>
+                <a:tc>
+                  <a:txBody>
+                    <a:bodyPr/>
+                    <a:lstStyle/>
+                    <a:p>
+                      <a:pPr algn="just">
+                        <a:spcAft>
+                          <a:spcPts val="0"/>
+                        </a:spcAft>
+                      </a:pPr>
+                      <a:r>
+                        <a:rPr lang="en-US" sz="1400" kern="0">
+                          <a:effectLst/>
+                        </a:rPr>
+                        <a:t>MVC</a:t>
+                      </a:r>
+                      <a:r>
+                        <a:rPr lang="zh-CN" sz="1400" kern="0">
+                          <a:effectLst/>
+                        </a:rPr>
+                        <a:t>没有可用性方面的明显缺点</a:t>
+                      </a:r>
+                      <a:endParaRPr lang="zh-CN" sz="1600" kern="100">
+                        <a:effectLst/>
+                        <a:latin typeface="等线" panose="02010600030101010101" pitchFamily="2" charset="-122"/>
+                        <a:ea typeface="等线" panose="02010600030101010101" pitchFamily="2" charset="-122"/>
+                        <a:cs typeface="Times New Roman" panose="02020603050405020304" pitchFamily="18" charset="0"/>
+                      </a:endParaRPr>
+                    </a:p>
+                  </a:txBody>
+                  <a:tcPr marL="68580" marR="68580" marT="0" marB="0"/>
+                </a:tc>
+                <a:tc>
+                  <a:txBody>
+                    <a:bodyPr/>
+                    <a:lstStyle/>
+                    <a:p>
+                      <a:pPr algn="just">
+                        <a:spcAft>
+                          <a:spcPts val="0"/>
+                        </a:spcAft>
+                      </a:pPr>
+                      <a:r>
+                        <a:rPr lang="en-US" sz="1400" kern="0">
+                          <a:effectLst/>
+                        </a:rPr>
+                        <a:t> </a:t>
+                      </a:r>
+                      <a:endParaRPr lang="zh-CN" sz="1600" kern="100">
+                        <a:effectLst/>
+                        <a:latin typeface="等线" panose="02010600030101010101" pitchFamily="2" charset="-122"/>
+                        <a:ea typeface="等线" panose="02010600030101010101" pitchFamily="2" charset="-122"/>
+                        <a:cs typeface="Times New Roman" panose="02020603050405020304" pitchFamily="18" charset="0"/>
+                      </a:endParaRPr>
+                    </a:p>
+                  </a:txBody>
+                  <a:tcPr marL="68580" marR="68580" marT="0" marB="0"/>
+                </a:tc>
+                <a:extLst>
+                  <a:ext uri="{0D108BD9-81ED-4DB2-BD59-A6C34878D82A}">
+                    <a16:rowId xmlns:a16="http://schemas.microsoft.com/office/drawing/2014/main" val="2134119712"/>
+                  </a:ext>
+                </a:extLst>
+              </a:tr>
+              <a:tr h="1137349">
+                <a:tc>
+                  <a:txBody>
+                    <a:bodyPr/>
+                    <a:lstStyle/>
+                    <a:p>
+                      <a:pPr algn="just">
+                        <a:spcAft>
+                          <a:spcPts val="0"/>
+                        </a:spcAft>
+                      </a:pPr>
+                      <a:r>
+                        <a:rPr lang="zh-CN" sz="1400" kern="0" dirty="0">
+                          <a:effectLst/>
+                        </a:rPr>
+                        <a:t>互操作性</a:t>
+                      </a:r>
+                      <a:endParaRPr lang="zh-CN" sz="1600" kern="100" dirty="0">
+                        <a:effectLst/>
+                        <a:latin typeface="等线" panose="02010600030101010101" pitchFamily="2" charset="-122"/>
+                        <a:ea typeface="等线" panose="02010600030101010101" pitchFamily="2" charset="-122"/>
+                        <a:cs typeface="Times New Roman" panose="02020603050405020304" pitchFamily="18" charset="0"/>
+                      </a:endParaRPr>
+                    </a:p>
+                  </a:txBody>
+                  <a:tcPr marL="68580" marR="68580" marT="0" marB="0"/>
+                </a:tc>
+                <a:tc>
+                  <a:txBody>
+                    <a:bodyPr/>
+                    <a:lstStyle/>
+                    <a:p>
+                      <a:pPr algn="just">
+                        <a:spcAft>
+                          <a:spcPts val="0"/>
+                        </a:spcAft>
+                      </a:pPr>
+                      <a:r>
+                        <a:rPr lang="en-US" sz="1400" kern="0">
+                          <a:effectLst/>
+                        </a:rPr>
+                        <a:t> </a:t>
+                      </a:r>
+                      <a:endParaRPr lang="zh-CN" sz="1600" kern="100">
+                        <a:effectLst/>
+                        <a:latin typeface="等线" panose="02010600030101010101" pitchFamily="2" charset="-122"/>
+                        <a:ea typeface="等线" panose="02010600030101010101" pitchFamily="2" charset="-122"/>
+                        <a:cs typeface="Times New Roman" panose="02020603050405020304" pitchFamily="18" charset="0"/>
+                      </a:endParaRPr>
+                    </a:p>
+                  </a:txBody>
+                  <a:tcPr marL="68580" marR="68580" marT="0" marB="0"/>
+                </a:tc>
+                <a:tc>
+                  <a:txBody>
+                    <a:bodyPr/>
+                    <a:lstStyle/>
+                    <a:p>
+                      <a:pPr algn="just">
+                        <a:spcAft>
+                          <a:spcPts val="0"/>
+                        </a:spcAft>
+                      </a:pPr>
+                      <a:r>
+                        <a:rPr lang="zh-CN" sz="1400" kern="0" dirty="0">
+                          <a:effectLst/>
+                        </a:rPr>
+                        <a:t>管道过滤器风格不适合处理处理交互应用，且每个过滤器都必须被看成完整的输入输出转换</a:t>
+                      </a:r>
+                      <a:endParaRPr lang="zh-CN" sz="1600" kern="100" dirty="0">
+                        <a:effectLst/>
+                        <a:latin typeface="等线" panose="02010600030101010101" pitchFamily="2" charset="-122"/>
+                        <a:ea typeface="等线" panose="02010600030101010101" pitchFamily="2" charset="-122"/>
+                        <a:cs typeface="Times New Roman" panose="02020603050405020304" pitchFamily="18" charset="0"/>
+                      </a:endParaRPr>
+                    </a:p>
+                  </a:txBody>
+                  <a:tcPr marL="68580" marR="68580" marT="0" marB="0"/>
+                </a:tc>
+                <a:tc>
+                  <a:txBody>
+                    <a:bodyPr/>
+                    <a:lstStyle/>
+                    <a:p>
+                      <a:pPr algn="just">
+                        <a:spcAft>
+                          <a:spcPts val="0"/>
+                        </a:spcAft>
+                      </a:pPr>
+                      <a:r>
+                        <a:rPr lang="en-US" sz="1400" kern="0" dirty="0">
+                          <a:effectLst/>
+                        </a:rPr>
+                        <a:t>MVC</a:t>
+                      </a:r>
+                      <a:r>
+                        <a:rPr lang="zh-CN" sz="1400" kern="0" dirty="0">
+                          <a:effectLst/>
+                        </a:rPr>
+                        <a:t>没有互操作性方面的明显缺点</a:t>
+                      </a:r>
+                      <a:endParaRPr lang="zh-CN" sz="1600" kern="100" dirty="0">
+                        <a:effectLst/>
+                        <a:latin typeface="等线" panose="02010600030101010101" pitchFamily="2" charset="-122"/>
+                        <a:ea typeface="等线" panose="02010600030101010101" pitchFamily="2" charset="-122"/>
+                        <a:cs typeface="Times New Roman" panose="02020603050405020304" pitchFamily="18" charset="0"/>
+                      </a:endParaRPr>
+                    </a:p>
+                  </a:txBody>
+                  <a:tcPr marL="68580" marR="68580" marT="0" marB="0"/>
+                </a:tc>
+                <a:tc>
+                  <a:txBody>
+                    <a:bodyPr/>
+                    <a:lstStyle/>
+                    <a:p>
+                      <a:pPr algn="just">
+                        <a:spcAft>
+                          <a:spcPts val="0"/>
+                        </a:spcAft>
+                      </a:pPr>
+                      <a:r>
+                        <a:rPr lang="en-US" sz="1400" kern="0" dirty="0">
+                          <a:effectLst/>
+                        </a:rPr>
+                        <a:t> </a:t>
+                      </a:r>
+                      <a:endParaRPr lang="zh-CN" sz="1600" kern="100" dirty="0">
+                        <a:effectLst/>
+                        <a:latin typeface="等线" panose="02010600030101010101" pitchFamily="2" charset="-122"/>
+                        <a:ea typeface="等线" panose="02010600030101010101" pitchFamily="2" charset="-122"/>
+                        <a:cs typeface="Times New Roman" panose="02020603050405020304" pitchFamily="18" charset="0"/>
+                      </a:endParaRPr>
+                    </a:p>
+                  </a:txBody>
+                  <a:tcPr marL="68580" marR="68580" marT="0" marB="0"/>
+                </a:tc>
+                <a:extLst>
+                  <a:ext uri="{0D108BD9-81ED-4DB2-BD59-A6C34878D82A}">
+                    <a16:rowId xmlns:a16="http://schemas.microsoft.com/office/drawing/2014/main" val="1456387488"/>
+                  </a:ext>
+                </a:extLst>
+              </a:tr>
+            </a:tbl>
+          </a:graphicData>
+        </a:graphic>
+      </p:graphicFrame>
+    </p:spTree>
+    <p:extLst>
+      <p:ext uri="{BB962C8B-B14F-4D97-AF65-F5344CB8AC3E}">
+        <p14:creationId xmlns:p14="http://schemas.microsoft.com/office/powerpoint/2010/main" val="16293028"/>
+      </p:ext>
+    </p:extLst>
+  </p:cSld>
+  <p:clrMapOvr>
+    <a:masterClrMapping/>
+  </p:clrMapOvr>
+</p:sld>
+</file>
+
+<file path=ppt/slides/slide11.xml><?xml version="1.0" encoding="utf-8"?>
+<p:sld xmlns:a="http://schemas.openxmlformats.org/drawingml/2006/main" xmlns:r="http://schemas.openxmlformats.org/officeDocument/2006/relationships" xmlns:p="http://schemas.openxmlformats.org/presentationml/2006/main">
+  <p:cSld>
+    <p:spTree>
+      <p:nvGrpSpPr>
+        <p:cNvPr id="1" name=""/>
+        <p:cNvGrpSpPr/>
+        <p:nvPr/>
+      </p:nvGrpSpPr>
+      <p:grpSpPr>
+        <a:xfrm>
+          <a:off x="0" y="0"/>
+          <a:ext cx="0" cy="0"/>
+          <a:chOff x="0" y="0"/>
+          <a:chExt cx="0" cy="0"/>
+        </a:xfrm>
+      </p:grpSpPr>
+      <p:graphicFrame>
+        <p:nvGraphicFramePr>
+          <p:cNvPr id="4" name="表格 3">
+            <a:extLst>
+              <a:ext uri="{FF2B5EF4-FFF2-40B4-BE49-F238E27FC236}">
+                <a16:creationId xmlns:a16="http://schemas.microsoft.com/office/drawing/2014/main" id="{3357464A-19D3-4FA6-AE20-654CDDBF3B53}"/>
+              </a:ext>
+            </a:extLst>
+          </p:cNvPr>
+          <p:cNvGraphicFramePr>
+            <a:graphicFrameLocks noGrp="1"/>
+          </p:cNvGraphicFramePr>
+          <p:nvPr>
+            <p:extLst>
+              <p:ext uri="{D42A27DB-BD31-4B8C-83A1-F6EECF244321}">
+                <p14:modId xmlns:p14="http://schemas.microsoft.com/office/powerpoint/2010/main" val="940680896"/>
+              </p:ext>
+            </p:extLst>
+          </p:nvPr>
+        </p:nvGraphicFramePr>
+        <p:xfrm>
+          <a:off x="2040268" y="360219"/>
+          <a:ext cx="8609259" cy="5310678"/>
+        </p:xfrm>
+        <a:graphic>
+          <a:graphicData uri="http://schemas.openxmlformats.org/drawingml/2006/table">
+            <a:tbl>
+              <a:tblPr firstRow="1" firstCol="1" bandRow="1">
+                <a:tableStyleId>{5C22544A-7EE6-4342-B048-85BDC9FD1C3A}</a:tableStyleId>
+              </a:tblPr>
+              <a:tblGrid>
+                <a:gridCol w="1720436">
+                  <a:extLst>
+                    <a:ext uri="{9D8B030D-6E8A-4147-A177-3AD203B41FA5}">
+                      <a16:colId xmlns:a16="http://schemas.microsoft.com/office/drawing/2014/main" val="1382070075"/>
+                    </a:ext>
+                  </a:extLst>
+                </a:gridCol>
+                <a:gridCol w="1721446">
+                  <a:extLst>
+                    <a:ext uri="{9D8B030D-6E8A-4147-A177-3AD203B41FA5}">
+                      <a16:colId xmlns:a16="http://schemas.microsoft.com/office/drawing/2014/main" val="4067506554"/>
+                    </a:ext>
+                  </a:extLst>
+                </a:gridCol>
+                <a:gridCol w="1722459">
+                  <a:extLst>
+                    <a:ext uri="{9D8B030D-6E8A-4147-A177-3AD203B41FA5}">
+                      <a16:colId xmlns:a16="http://schemas.microsoft.com/office/drawing/2014/main" val="303108457"/>
+                    </a:ext>
+                  </a:extLst>
+                </a:gridCol>
+                <a:gridCol w="1722459">
+                  <a:extLst>
+                    <a:ext uri="{9D8B030D-6E8A-4147-A177-3AD203B41FA5}">
+                      <a16:colId xmlns:a16="http://schemas.microsoft.com/office/drawing/2014/main" val="1012432208"/>
+                    </a:ext>
+                  </a:extLst>
+                </a:gridCol>
+                <a:gridCol w="1722459">
+                  <a:extLst>
+                    <a:ext uri="{9D8B030D-6E8A-4147-A177-3AD203B41FA5}">
+                      <a16:colId xmlns:a16="http://schemas.microsoft.com/office/drawing/2014/main" val="536362874"/>
+                    </a:ext>
+                  </a:extLst>
+                </a:gridCol>
+              </a:tblGrid>
+              <a:tr h="350981">
+                <a:tc>
+                  <a:txBody>
+                    <a:bodyPr/>
+                    <a:lstStyle/>
+                    <a:p>
+                      <a:pPr algn="just">
+                        <a:spcAft>
+                          <a:spcPts val="0"/>
+                        </a:spcAft>
+                      </a:pPr>
+                      <a:endParaRPr lang="zh-CN" sz="1600" kern="100" dirty="0">
+                        <a:effectLst/>
+                        <a:latin typeface="等线" panose="02010600030101010101" pitchFamily="2" charset="-122"/>
+                        <a:ea typeface="等线" panose="02010600030101010101" pitchFamily="2" charset="-122"/>
+                        <a:cs typeface="Times New Roman" panose="02020603050405020304" pitchFamily="18" charset="0"/>
+                      </a:endParaRPr>
+                    </a:p>
+                  </a:txBody>
+                  <a:tcPr marL="68315" marR="68315" marT="0" marB="0"/>
+                </a:tc>
+                <a:tc gridSpan="2">
+                  <a:txBody>
+                    <a:bodyPr/>
+                    <a:lstStyle/>
+                    <a:p>
+                      <a:pPr algn="ctr">
+                        <a:spcAft>
+                          <a:spcPts val="0"/>
+                        </a:spcAft>
+                      </a:pPr>
+                      <a:r>
+                        <a:rPr lang="zh-CN" altLang="en-US" sz="2000" kern="100" dirty="0">
+                          <a:effectLst/>
+                          <a:latin typeface="等线" panose="02010600030101010101" pitchFamily="2" charset="-122"/>
+                          <a:ea typeface="等线" panose="02010600030101010101" pitchFamily="2" charset="-122"/>
+                          <a:cs typeface="Times New Roman" panose="02020603050405020304" pitchFamily="18" charset="0"/>
+                        </a:rPr>
+                        <a:t>管道过滤器</a:t>
+                      </a:r>
+                      <a:endParaRPr lang="zh-CN" sz="2000" kern="100" dirty="0">
+                        <a:effectLst/>
+                        <a:latin typeface="等线" panose="02010600030101010101" pitchFamily="2" charset="-122"/>
+                        <a:ea typeface="等线" panose="02010600030101010101" pitchFamily="2" charset="-122"/>
+                        <a:cs typeface="Times New Roman" panose="02020603050405020304" pitchFamily="18" charset="0"/>
+                      </a:endParaRPr>
+                    </a:p>
+                  </a:txBody>
+                  <a:tcPr marL="68315" marR="68315" marT="0" marB="0"/>
+                </a:tc>
+                <a:tc hMerge="1">
+                  <a:txBody>
+                    <a:bodyPr/>
+                    <a:lstStyle/>
+                    <a:p>
+                      <a:pPr algn="just">
+                        <a:spcAft>
+                          <a:spcPts val="0"/>
+                        </a:spcAft>
+                      </a:pPr>
+                      <a:endParaRPr lang="zh-CN" sz="600" kern="100" dirty="0">
+                        <a:effectLst/>
+                        <a:latin typeface="等线" panose="02010600030101010101" pitchFamily="2" charset="-122"/>
+                        <a:ea typeface="等线" panose="02010600030101010101" pitchFamily="2" charset="-122"/>
+                        <a:cs typeface="Times New Roman" panose="02020603050405020304" pitchFamily="18" charset="0"/>
+                      </a:endParaRPr>
+                    </a:p>
+                  </a:txBody>
+                  <a:tcPr marL="68315" marR="68315" marT="0" marB="0"/>
+                </a:tc>
+                <a:tc gridSpan="2">
+                  <a:txBody>
+                    <a:bodyPr/>
+                    <a:lstStyle/>
+                    <a:p>
+                      <a:pPr algn="ctr">
+                        <a:spcAft>
+                          <a:spcPts val="0"/>
+                        </a:spcAft>
+                      </a:pPr>
+                      <a:r>
+                        <a:rPr lang="en-US" altLang="zh-CN" sz="2400" kern="100" dirty="0">
+                          <a:effectLst/>
+                          <a:latin typeface="等线" panose="02010600030101010101" pitchFamily="2" charset="-122"/>
+                          <a:ea typeface="等线" panose="02010600030101010101" pitchFamily="2" charset="-122"/>
+                          <a:cs typeface="Times New Roman" panose="02020603050405020304" pitchFamily="18" charset="0"/>
+                        </a:rPr>
+                        <a:t>MVC</a:t>
+                      </a:r>
+                      <a:endParaRPr lang="zh-CN" sz="2400" kern="100" dirty="0">
+                        <a:effectLst/>
+                        <a:latin typeface="等线" panose="02010600030101010101" pitchFamily="2" charset="-122"/>
+                        <a:ea typeface="等线" panose="02010600030101010101" pitchFamily="2" charset="-122"/>
+                        <a:cs typeface="Times New Roman" panose="02020603050405020304" pitchFamily="18" charset="0"/>
+                      </a:endParaRPr>
+                    </a:p>
+                  </a:txBody>
+                  <a:tcPr marL="68315" marR="68315" marT="0" marB="0"/>
+                </a:tc>
+                <a:tc hMerge="1">
+                  <a:txBody>
+                    <a:bodyPr/>
+                    <a:lstStyle/>
+                    <a:p>
+                      <a:pPr algn="just">
+                        <a:spcAft>
+                          <a:spcPts val="0"/>
+                        </a:spcAft>
+                      </a:pPr>
+                      <a:endParaRPr lang="zh-CN" sz="1000" kern="100" dirty="0">
+                        <a:effectLst/>
+                        <a:latin typeface="等线" panose="02010600030101010101" pitchFamily="2" charset="-122"/>
+                        <a:ea typeface="等线" panose="02010600030101010101" pitchFamily="2" charset="-122"/>
+                        <a:cs typeface="Times New Roman" panose="02020603050405020304" pitchFamily="18" charset="0"/>
+                      </a:endParaRPr>
+                    </a:p>
+                  </a:txBody>
+                  <a:tcPr marL="68315" marR="68315" marT="0" marB="0"/>
+                </a:tc>
+                <a:extLst>
+                  <a:ext uri="{0D108BD9-81ED-4DB2-BD59-A6C34878D82A}">
+                    <a16:rowId xmlns:a16="http://schemas.microsoft.com/office/drawing/2014/main" val="2197735938"/>
+                  </a:ext>
+                </a:extLst>
+              </a:tr>
+              <a:tr h="335279">
+                <a:tc>
+                  <a:txBody>
+                    <a:bodyPr/>
+                    <a:lstStyle/>
+                    <a:p>
+                      <a:pPr algn="just">
+                        <a:spcAft>
+                          <a:spcPts val="0"/>
+                        </a:spcAft>
+                      </a:pPr>
+                      <a:r>
+                        <a:rPr lang="zh-CN" sz="1400" kern="0" dirty="0">
+                          <a:effectLst/>
+                        </a:rPr>
+                        <a:t>可修改性</a:t>
+                      </a:r>
+                      <a:endParaRPr lang="zh-CN" sz="1400" kern="100" dirty="0">
+                        <a:effectLst/>
+                        <a:latin typeface="等线" panose="02010600030101010101" pitchFamily="2" charset="-122"/>
+                        <a:ea typeface="等线" panose="02010600030101010101" pitchFamily="2" charset="-122"/>
+                        <a:cs typeface="Times New Roman" panose="02020603050405020304" pitchFamily="18" charset="0"/>
+                      </a:endParaRPr>
+                    </a:p>
+                  </a:txBody>
+                  <a:tcPr marL="68315" marR="68315" marT="0" marB="0"/>
+                </a:tc>
+                <a:tc>
+                  <a:txBody>
+                    <a:bodyPr/>
+                    <a:lstStyle/>
+                    <a:p>
+                      <a:pPr algn="just">
+                        <a:spcAft>
+                          <a:spcPts val="0"/>
+                        </a:spcAft>
+                      </a:pPr>
+                      <a:r>
+                        <a:rPr lang="zh-CN" sz="1400" kern="0">
+                          <a:effectLst/>
+                        </a:rPr>
+                        <a:t>管道过滤器架构耦合性低，添加和替换新的过滤器简单。</a:t>
+                      </a:r>
+                      <a:endParaRPr lang="zh-CN" sz="1400" kern="100">
+                        <a:effectLst/>
+                        <a:latin typeface="等线" panose="02010600030101010101" pitchFamily="2" charset="-122"/>
+                        <a:ea typeface="等线" panose="02010600030101010101" pitchFamily="2" charset="-122"/>
+                        <a:cs typeface="Times New Roman" panose="02020603050405020304" pitchFamily="18" charset="0"/>
+                      </a:endParaRPr>
+                    </a:p>
+                  </a:txBody>
+                  <a:tcPr marL="68315" marR="68315" marT="0" marB="0"/>
+                </a:tc>
+                <a:tc>
+                  <a:txBody>
+                    <a:bodyPr/>
+                    <a:lstStyle/>
+                    <a:p>
+                      <a:pPr algn="just">
+                        <a:spcAft>
+                          <a:spcPts val="0"/>
+                        </a:spcAft>
+                      </a:pPr>
+                      <a:r>
+                        <a:rPr lang="en-US" sz="1400" kern="0" dirty="0">
+                          <a:effectLst/>
+                        </a:rPr>
+                        <a:t> </a:t>
+                      </a:r>
+                      <a:endParaRPr lang="zh-CN" sz="1400" kern="100" dirty="0">
+                        <a:effectLst/>
+                        <a:latin typeface="等线" panose="02010600030101010101" pitchFamily="2" charset="-122"/>
+                        <a:ea typeface="等线" panose="02010600030101010101" pitchFamily="2" charset="-122"/>
+                        <a:cs typeface="Times New Roman" panose="02020603050405020304" pitchFamily="18" charset="0"/>
+                      </a:endParaRPr>
+                    </a:p>
+                  </a:txBody>
+                  <a:tcPr marL="68315" marR="68315" marT="0" marB="0"/>
+                </a:tc>
+                <a:tc>
+                  <a:txBody>
+                    <a:bodyPr/>
+                    <a:lstStyle/>
+                    <a:p>
+                      <a:pPr algn="just">
+                        <a:spcAft>
+                          <a:spcPts val="0"/>
+                        </a:spcAft>
+                      </a:pPr>
+                      <a:r>
+                        <a:rPr lang="en-US" sz="1400" kern="0">
+                          <a:effectLst/>
+                        </a:rPr>
+                        <a:t>MVC</a:t>
+                      </a:r>
+                      <a:r>
+                        <a:rPr lang="zh-CN" sz="1400" kern="0">
+                          <a:effectLst/>
+                        </a:rPr>
+                        <a:t>架构耦合性低，</a:t>
+                      </a:r>
+                      <a:r>
+                        <a:rPr lang="en-US" sz="1400" kern="0">
+                          <a:effectLst/>
+                        </a:rPr>
+                        <a:t>MVC</a:t>
+                      </a:r>
+                      <a:r>
+                        <a:rPr lang="zh-CN" sz="1400" kern="0">
+                          <a:effectLst/>
+                        </a:rPr>
+                        <a:t>的三个部件相对独立，尤其适用于</a:t>
+                      </a:r>
+                      <a:r>
+                        <a:rPr lang="en-US" sz="1400" kern="0">
+                          <a:effectLst/>
+                        </a:rPr>
+                        <a:t>View</a:t>
+                      </a:r>
+                      <a:r>
+                        <a:rPr lang="zh-CN" sz="1400" kern="0">
+                          <a:effectLst/>
+                        </a:rPr>
+                        <a:t>变更频繁的</a:t>
+                      </a:r>
+                      <a:r>
+                        <a:rPr lang="en-US" sz="1400" kern="0">
+                          <a:effectLst/>
+                        </a:rPr>
+                        <a:t>Web</a:t>
+                      </a:r>
+                      <a:r>
+                        <a:rPr lang="zh-CN" sz="1400" kern="0">
+                          <a:effectLst/>
+                        </a:rPr>
+                        <a:t>系统。</a:t>
+                      </a:r>
+                      <a:endParaRPr lang="zh-CN" sz="1400" kern="100">
+                        <a:effectLst/>
+                        <a:latin typeface="等线" panose="02010600030101010101" pitchFamily="2" charset="-122"/>
+                        <a:ea typeface="等线" panose="02010600030101010101" pitchFamily="2" charset="-122"/>
+                        <a:cs typeface="Times New Roman" panose="02020603050405020304" pitchFamily="18" charset="0"/>
+                      </a:endParaRPr>
+                    </a:p>
+                  </a:txBody>
+                  <a:tcPr marL="68315" marR="68315" marT="0" marB="0"/>
+                </a:tc>
+                <a:tc>
+                  <a:txBody>
+                    <a:bodyPr/>
+                    <a:lstStyle/>
+                    <a:p>
+                      <a:pPr algn="just">
+                        <a:spcAft>
+                          <a:spcPts val="0"/>
+                        </a:spcAft>
+                      </a:pPr>
+                      <a:r>
+                        <a:rPr lang="en-US" sz="1400" kern="0">
+                          <a:effectLst/>
+                        </a:rPr>
+                        <a:t> </a:t>
+                      </a:r>
+                      <a:endParaRPr lang="zh-CN" sz="1400" kern="100">
+                        <a:effectLst/>
+                        <a:latin typeface="等线" panose="02010600030101010101" pitchFamily="2" charset="-122"/>
+                        <a:ea typeface="等线" panose="02010600030101010101" pitchFamily="2" charset="-122"/>
+                        <a:cs typeface="Times New Roman" panose="02020603050405020304" pitchFamily="18" charset="0"/>
+                      </a:endParaRPr>
+                    </a:p>
+                  </a:txBody>
+                  <a:tcPr marL="68315" marR="68315" marT="0" marB="0"/>
+                </a:tc>
+                <a:extLst>
+                  <a:ext uri="{0D108BD9-81ED-4DB2-BD59-A6C34878D82A}">
+                    <a16:rowId xmlns:a16="http://schemas.microsoft.com/office/drawing/2014/main" val="400211323"/>
+                  </a:ext>
+                </a:extLst>
+              </a:tr>
+              <a:tr h="627496">
+                <a:tc>
+                  <a:txBody>
+                    <a:bodyPr/>
+                    <a:lstStyle/>
+                    <a:p>
+                      <a:pPr algn="just">
+                        <a:spcAft>
+                          <a:spcPts val="0"/>
+                        </a:spcAft>
+                      </a:pPr>
+                      <a:r>
+                        <a:rPr lang="zh-CN" sz="1400" kern="0" dirty="0">
+                          <a:effectLst/>
+                        </a:rPr>
+                        <a:t>性能：负载</a:t>
+                      </a:r>
+                      <a:endParaRPr lang="zh-CN" sz="1400" kern="100" dirty="0">
+                        <a:effectLst/>
+                        <a:latin typeface="等线" panose="02010600030101010101" pitchFamily="2" charset="-122"/>
+                        <a:ea typeface="等线" panose="02010600030101010101" pitchFamily="2" charset="-122"/>
+                        <a:cs typeface="Times New Roman" panose="02020603050405020304" pitchFamily="18" charset="0"/>
+                      </a:endParaRPr>
+                    </a:p>
+                  </a:txBody>
+                  <a:tcPr marL="68315" marR="68315" marT="0" marB="0"/>
+                </a:tc>
+                <a:tc>
+                  <a:txBody>
+                    <a:bodyPr/>
+                    <a:lstStyle/>
+                    <a:p>
+                      <a:pPr algn="just">
+                        <a:spcAft>
+                          <a:spcPts val="0"/>
+                        </a:spcAft>
+                      </a:pPr>
+                      <a:r>
+                        <a:rPr lang="en-US" sz="1400" kern="0" dirty="0">
+                          <a:effectLst/>
+                        </a:rPr>
+                        <a:t> </a:t>
+                      </a:r>
+                      <a:endParaRPr lang="zh-CN" sz="1400" kern="100" dirty="0">
+                        <a:effectLst/>
+                        <a:latin typeface="等线" panose="02010600030101010101" pitchFamily="2" charset="-122"/>
+                        <a:ea typeface="等线" panose="02010600030101010101" pitchFamily="2" charset="-122"/>
+                        <a:cs typeface="Times New Roman" panose="02020603050405020304" pitchFamily="18" charset="0"/>
+                      </a:endParaRPr>
+                    </a:p>
+                  </a:txBody>
+                  <a:tcPr marL="68315" marR="68315" marT="0" marB="0"/>
+                </a:tc>
+                <a:tc>
+                  <a:txBody>
+                    <a:bodyPr/>
+                    <a:lstStyle/>
+                    <a:p>
+                      <a:pPr algn="just">
+                        <a:spcAft>
+                          <a:spcPts val="0"/>
+                        </a:spcAft>
+                      </a:pPr>
+                      <a:r>
+                        <a:rPr lang="zh-CN" sz="1400" kern="0">
+                          <a:effectLst/>
+                        </a:rPr>
+                        <a:t>每个过滤器都有解析和合成数据的工作导致系统性能下降</a:t>
+                      </a:r>
+                      <a:endParaRPr lang="zh-CN" sz="1400" kern="100">
+                        <a:effectLst/>
+                        <a:latin typeface="等线" panose="02010600030101010101" pitchFamily="2" charset="-122"/>
+                        <a:ea typeface="等线" panose="02010600030101010101" pitchFamily="2" charset="-122"/>
+                        <a:cs typeface="Times New Roman" panose="02020603050405020304" pitchFamily="18" charset="0"/>
+                      </a:endParaRPr>
+                    </a:p>
+                  </a:txBody>
+                  <a:tcPr marL="68315" marR="68315" marT="0" marB="0"/>
+                </a:tc>
+                <a:tc>
+                  <a:txBody>
+                    <a:bodyPr/>
+                    <a:lstStyle/>
+                    <a:p>
+                      <a:pPr algn="just">
+                        <a:spcAft>
+                          <a:spcPts val="0"/>
+                        </a:spcAft>
+                      </a:pPr>
+                      <a:r>
+                        <a:rPr lang="en-US" sz="1400" kern="0">
+                          <a:effectLst/>
+                        </a:rPr>
+                        <a:t>MVC</a:t>
+                      </a:r>
+                      <a:r>
+                        <a:rPr lang="zh-CN" sz="1400" kern="0">
+                          <a:effectLst/>
+                        </a:rPr>
+                        <a:t>没有负载性能方面的明显缺点</a:t>
+                      </a:r>
+                      <a:endParaRPr lang="zh-CN" sz="1400" kern="100">
+                        <a:effectLst/>
+                        <a:latin typeface="等线" panose="02010600030101010101" pitchFamily="2" charset="-122"/>
+                        <a:ea typeface="等线" panose="02010600030101010101" pitchFamily="2" charset="-122"/>
+                        <a:cs typeface="Times New Roman" panose="02020603050405020304" pitchFamily="18" charset="0"/>
+                      </a:endParaRPr>
+                    </a:p>
+                  </a:txBody>
+                  <a:tcPr marL="68315" marR="68315" marT="0" marB="0"/>
+                </a:tc>
+                <a:tc>
+                  <a:txBody>
+                    <a:bodyPr/>
+                    <a:lstStyle/>
+                    <a:p>
+                      <a:pPr algn="just">
+                        <a:spcAft>
+                          <a:spcPts val="0"/>
+                        </a:spcAft>
+                      </a:pPr>
+                      <a:r>
+                        <a:rPr lang="en-US" sz="1400" kern="0">
+                          <a:effectLst/>
+                        </a:rPr>
+                        <a:t> </a:t>
+                      </a:r>
+                      <a:endParaRPr lang="zh-CN" sz="1400" kern="100">
+                        <a:effectLst/>
+                        <a:latin typeface="等线" panose="02010600030101010101" pitchFamily="2" charset="-122"/>
+                        <a:ea typeface="等线" panose="02010600030101010101" pitchFamily="2" charset="-122"/>
+                        <a:cs typeface="Times New Roman" panose="02020603050405020304" pitchFamily="18" charset="0"/>
+                      </a:endParaRPr>
+                    </a:p>
+                  </a:txBody>
+                  <a:tcPr marL="68315" marR="68315" marT="0" marB="0"/>
+                </a:tc>
+                <a:extLst>
+                  <a:ext uri="{0D108BD9-81ED-4DB2-BD59-A6C34878D82A}">
+                    <a16:rowId xmlns:a16="http://schemas.microsoft.com/office/drawing/2014/main" val="106902601"/>
+                  </a:ext>
+                </a:extLst>
+              </a:tr>
+              <a:tr h="501997">
+                <a:tc>
+                  <a:txBody>
+                    <a:bodyPr/>
+                    <a:lstStyle/>
+                    <a:p>
+                      <a:pPr algn="just">
+                        <a:spcAft>
+                          <a:spcPts val="0"/>
+                        </a:spcAft>
+                      </a:pPr>
+                      <a:r>
+                        <a:rPr lang="zh-CN" sz="1400" kern="0">
+                          <a:effectLst/>
+                        </a:rPr>
+                        <a:t>性能：容量</a:t>
+                      </a:r>
+                      <a:endParaRPr lang="zh-CN" sz="1400" kern="100">
+                        <a:effectLst/>
+                        <a:latin typeface="等线" panose="02010600030101010101" pitchFamily="2" charset="-122"/>
+                        <a:ea typeface="等线" panose="02010600030101010101" pitchFamily="2" charset="-122"/>
+                        <a:cs typeface="Times New Roman" panose="02020603050405020304" pitchFamily="18" charset="0"/>
+                      </a:endParaRPr>
+                    </a:p>
+                  </a:txBody>
+                  <a:tcPr marL="68315" marR="68315" marT="0" marB="0"/>
+                </a:tc>
+                <a:tc>
+                  <a:txBody>
+                    <a:bodyPr/>
+                    <a:lstStyle/>
+                    <a:p>
+                      <a:pPr algn="just">
+                        <a:spcAft>
+                          <a:spcPts val="0"/>
+                        </a:spcAft>
+                      </a:pPr>
+                      <a:r>
+                        <a:rPr lang="zh-CN" sz="1400" kern="0" dirty="0">
+                          <a:effectLst/>
+                        </a:rPr>
+                        <a:t>每个过滤器作为单独任务，所以支持并行执行</a:t>
+                      </a:r>
+                      <a:endParaRPr lang="zh-CN" sz="1400" kern="100" dirty="0">
+                        <a:effectLst/>
+                        <a:latin typeface="等线" panose="02010600030101010101" pitchFamily="2" charset="-122"/>
+                        <a:ea typeface="等线" panose="02010600030101010101" pitchFamily="2" charset="-122"/>
+                        <a:cs typeface="Times New Roman" panose="02020603050405020304" pitchFamily="18" charset="0"/>
+                      </a:endParaRPr>
+                    </a:p>
+                  </a:txBody>
+                  <a:tcPr marL="68315" marR="68315" marT="0" marB="0"/>
+                </a:tc>
+                <a:tc>
+                  <a:txBody>
+                    <a:bodyPr/>
+                    <a:lstStyle/>
+                    <a:p>
+                      <a:pPr algn="just">
+                        <a:spcAft>
+                          <a:spcPts val="0"/>
+                        </a:spcAft>
+                      </a:pPr>
+                      <a:r>
+                        <a:rPr lang="en-US" sz="1400" kern="0" dirty="0">
+                          <a:effectLst/>
+                        </a:rPr>
+                        <a:t> </a:t>
+                      </a:r>
+                      <a:endParaRPr lang="zh-CN" sz="1400" kern="100" dirty="0">
+                        <a:effectLst/>
+                        <a:latin typeface="等线" panose="02010600030101010101" pitchFamily="2" charset="-122"/>
+                        <a:ea typeface="等线" panose="02010600030101010101" pitchFamily="2" charset="-122"/>
+                        <a:cs typeface="Times New Roman" panose="02020603050405020304" pitchFamily="18" charset="0"/>
+                      </a:endParaRPr>
+                    </a:p>
+                  </a:txBody>
+                  <a:tcPr marL="68315" marR="68315" marT="0" marB="0"/>
+                </a:tc>
+                <a:tc>
+                  <a:txBody>
+                    <a:bodyPr/>
+                    <a:lstStyle/>
+                    <a:p>
+                      <a:pPr algn="just">
+                        <a:spcAft>
+                          <a:spcPts val="0"/>
+                        </a:spcAft>
+                      </a:pPr>
+                      <a:r>
+                        <a:rPr lang="en-US" sz="1400" kern="0">
+                          <a:effectLst/>
+                        </a:rPr>
+                        <a:t> </a:t>
+                      </a:r>
+                      <a:endParaRPr lang="zh-CN" sz="1400" kern="100">
+                        <a:effectLst/>
+                        <a:latin typeface="等线" panose="02010600030101010101" pitchFamily="2" charset="-122"/>
+                        <a:ea typeface="等线" panose="02010600030101010101" pitchFamily="2" charset="-122"/>
+                        <a:cs typeface="Times New Roman" panose="02020603050405020304" pitchFamily="18" charset="0"/>
+                      </a:endParaRPr>
+                    </a:p>
+                  </a:txBody>
+                  <a:tcPr marL="68315" marR="68315" marT="0" marB="0"/>
+                </a:tc>
+                <a:tc>
+                  <a:txBody>
+                    <a:bodyPr/>
+                    <a:lstStyle/>
+                    <a:p>
+                      <a:pPr algn="just">
+                        <a:spcAft>
+                          <a:spcPts val="0"/>
+                        </a:spcAft>
+                      </a:pPr>
+                      <a:r>
+                        <a:rPr lang="zh-CN" sz="1400" kern="0">
+                          <a:effectLst/>
+                        </a:rPr>
+                        <a:t>不支持并行执行</a:t>
+                      </a:r>
+                      <a:endParaRPr lang="zh-CN" sz="1400" kern="100">
+                        <a:effectLst/>
+                        <a:latin typeface="等线" panose="02010600030101010101" pitchFamily="2" charset="-122"/>
+                        <a:ea typeface="等线" panose="02010600030101010101" pitchFamily="2" charset="-122"/>
+                        <a:cs typeface="Times New Roman" panose="02020603050405020304" pitchFamily="18" charset="0"/>
+                      </a:endParaRPr>
+                    </a:p>
+                  </a:txBody>
+                  <a:tcPr marL="68315" marR="68315" marT="0" marB="0"/>
+                </a:tc>
+                <a:extLst>
+                  <a:ext uri="{0D108BD9-81ED-4DB2-BD59-A6C34878D82A}">
+                    <a16:rowId xmlns:a16="http://schemas.microsoft.com/office/drawing/2014/main" val="529637885"/>
+                  </a:ext>
+                </a:extLst>
+              </a:tr>
+              <a:tr h="250998">
+                <a:tc>
+                  <a:txBody>
+                    <a:bodyPr/>
+                    <a:lstStyle/>
+                    <a:p>
+                      <a:pPr algn="just">
+                        <a:spcAft>
+                          <a:spcPts val="0"/>
+                        </a:spcAft>
+                      </a:pPr>
+                      <a:r>
+                        <a:rPr lang="zh-CN" sz="1400" kern="0">
+                          <a:effectLst/>
+                        </a:rPr>
+                        <a:t>性能：实时性</a:t>
+                      </a:r>
+                      <a:endParaRPr lang="zh-CN" sz="1400" kern="100">
+                        <a:effectLst/>
+                        <a:latin typeface="等线" panose="02010600030101010101" pitchFamily="2" charset="-122"/>
+                        <a:ea typeface="等线" panose="02010600030101010101" pitchFamily="2" charset="-122"/>
+                        <a:cs typeface="Times New Roman" panose="02020603050405020304" pitchFamily="18" charset="0"/>
+                      </a:endParaRPr>
+                    </a:p>
+                  </a:txBody>
+                  <a:tcPr marL="68315" marR="68315" marT="0" marB="0"/>
+                </a:tc>
+                <a:tc gridSpan="4">
+                  <a:txBody>
+                    <a:bodyPr/>
+                    <a:lstStyle/>
+                    <a:p>
+                      <a:pPr algn="just">
+                        <a:spcAft>
+                          <a:spcPts val="0"/>
+                        </a:spcAft>
+                      </a:pPr>
+                      <a:r>
+                        <a:rPr lang="zh-CN" sz="1400" kern="0">
+                          <a:effectLst/>
+                        </a:rPr>
+                        <a:t>两种架构没有特别大的差别</a:t>
+                      </a:r>
+                      <a:endParaRPr lang="zh-CN" sz="1400" kern="100">
+                        <a:effectLst/>
+                        <a:latin typeface="等线" panose="02010600030101010101" pitchFamily="2" charset="-122"/>
+                        <a:ea typeface="等线" panose="02010600030101010101" pitchFamily="2" charset="-122"/>
+                        <a:cs typeface="Times New Roman" panose="02020603050405020304" pitchFamily="18" charset="0"/>
+                      </a:endParaRPr>
+                    </a:p>
+                  </a:txBody>
+                  <a:tcPr marL="68315" marR="68315" marT="0" marB="0"/>
+                </a:tc>
+                <a:tc hMerge="1">
+                  <a:txBody>
+                    <a:bodyPr/>
+                    <a:lstStyle/>
+                    <a:p>
+                      <a:endParaRPr lang="zh-CN" altLang="en-US"/>
+                    </a:p>
+                  </a:txBody>
+                  <a:tcPr/>
+                </a:tc>
+                <a:tc hMerge="1">
+                  <a:txBody>
+                    <a:bodyPr/>
+                    <a:lstStyle/>
+                    <a:p>
+                      <a:endParaRPr lang="zh-CN" altLang="en-US"/>
+                    </a:p>
+                  </a:txBody>
+                  <a:tcPr/>
+                </a:tc>
+                <a:tc hMerge="1">
+                  <a:txBody>
+                    <a:bodyPr/>
+                    <a:lstStyle/>
+                    <a:p>
+                      <a:endParaRPr lang="zh-CN" altLang="en-US"/>
+                    </a:p>
+                  </a:txBody>
+                  <a:tcPr/>
+                </a:tc>
+                <a:extLst>
+                  <a:ext uri="{0D108BD9-81ED-4DB2-BD59-A6C34878D82A}">
+                    <a16:rowId xmlns:a16="http://schemas.microsoft.com/office/drawing/2014/main" val="4194668912"/>
+                  </a:ext>
+                </a:extLst>
+              </a:tr>
+              <a:tr h="627496">
+                <a:tc>
+                  <a:txBody>
+                    <a:bodyPr/>
+                    <a:lstStyle/>
+                    <a:p>
+                      <a:pPr algn="just">
+                        <a:spcAft>
+                          <a:spcPts val="0"/>
+                        </a:spcAft>
+                      </a:pPr>
+                      <a:r>
+                        <a:rPr lang="zh-CN" sz="1400" kern="0">
+                          <a:effectLst/>
+                        </a:rPr>
+                        <a:t>可维护性</a:t>
+                      </a:r>
+                      <a:endParaRPr lang="zh-CN" sz="1400" kern="100">
+                        <a:effectLst/>
+                        <a:latin typeface="等线" panose="02010600030101010101" pitchFamily="2" charset="-122"/>
+                        <a:ea typeface="等线" panose="02010600030101010101" pitchFamily="2" charset="-122"/>
+                        <a:cs typeface="Times New Roman" panose="02020603050405020304" pitchFamily="18" charset="0"/>
+                      </a:endParaRPr>
+                    </a:p>
+                  </a:txBody>
+                  <a:tcPr marL="68315" marR="68315" marT="0" marB="0"/>
+                </a:tc>
+                <a:tc>
+                  <a:txBody>
+                    <a:bodyPr/>
+                    <a:lstStyle/>
+                    <a:p>
+                      <a:pPr algn="just">
+                        <a:spcAft>
+                          <a:spcPts val="0"/>
+                        </a:spcAft>
+                      </a:pPr>
+                      <a:r>
+                        <a:rPr lang="zh-CN" sz="1400" kern="0" dirty="0">
+                          <a:effectLst/>
+                        </a:rPr>
+                        <a:t>系统维护简单，旧的过滤器可以被改进过的替换掉</a:t>
+                      </a:r>
+                      <a:endParaRPr lang="zh-CN" sz="1400" kern="100" dirty="0">
+                        <a:effectLst/>
+                        <a:latin typeface="等线" panose="02010600030101010101" pitchFamily="2" charset="-122"/>
+                        <a:ea typeface="等线" panose="02010600030101010101" pitchFamily="2" charset="-122"/>
+                        <a:cs typeface="Times New Roman" panose="02020603050405020304" pitchFamily="18" charset="0"/>
+                      </a:endParaRPr>
+                    </a:p>
+                  </a:txBody>
+                  <a:tcPr marL="68315" marR="68315" marT="0" marB="0"/>
+                </a:tc>
+                <a:tc>
+                  <a:txBody>
+                    <a:bodyPr/>
+                    <a:lstStyle/>
+                    <a:p>
+                      <a:pPr algn="just">
+                        <a:spcAft>
+                          <a:spcPts val="0"/>
+                        </a:spcAft>
+                      </a:pPr>
+                      <a:r>
+                        <a:rPr lang="en-US" sz="1400" kern="0">
+                          <a:effectLst/>
+                        </a:rPr>
+                        <a:t> </a:t>
+                      </a:r>
+                      <a:endParaRPr lang="zh-CN" sz="1400" kern="100">
+                        <a:effectLst/>
+                        <a:latin typeface="等线" panose="02010600030101010101" pitchFamily="2" charset="-122"/>
+                        <a:ea typeface="等线" panose="02010600030101010101" pitchFamily="2" charset="-122"/>
+                        <a:cs typeface="Times New Roman" panose="02020603050405020304" pitchFamily="18" charset="0"/>
+                      </a:endParaRPr>
+                    </a:p>
+                  </a:txBody>
+                  <a:tcPr marL="68315" marR="68315" marT="0" marB="0"/>
+                </a:tc>
+                <a:tc>
+                  <a:txBody>
+                    <a:bodyPr/>
+                    <a:lstStyle/>
+                    <a:p>
+                      <a:pPr algn="just">
+                        <a:spcAft>
+                          <a:spcPts val="0"/>
+                        </a:spcAft>
+                      </a:pPr>
+                      <a:r>
+                        <a:rPr lang="zh-CN" sz="1400" kern="0" dirty="0">
+                          <a:effectLst/>
+                        </a:rPr>
+                        <a:t>分离</a:t>
+                      </a:r>
+                      <a:r>
+                        <a:rPr lang="en-US" sz="1400" kern="0" dirty="0">
+                          <a:effectLst/>
+                        </a:rPr>
+                        <a:t>M</a:t>
+                      </a:r>
+                      <a:r>
+                        <a:rPr lang="zh-CN" sz="1400" kern="0" dirty="0">
+                          <a:effectLst/>
+                        </a:rPr>
+                        <a:t>、</a:t>
+                      </a:r>
+                      <a:r>
+                        <a:rPr lang="en-US" sz="1400" kern="0" dirty="0">
+                          <a:effectLst/>
+                        </a:rPr>
+                        <a:t>V</a:t>
+                      </a:r>
+                      <a:r>
+                        <a:rPr lang="zh-CN" sz="1400" kern="0" dirty="0">
+                          <a:effectLst/>
+                        </a:rPr>
+                        <a:t>、</a:t>
+                      </a:r>
+                      <a:r>
+                        <a:rPr lang="en-US" sz="1400" kern="0" dirty="0">
+                          <a:effectLst/>
+                        </a:rPr>
+                        <a:t>C</a:t>
+                      </a:r>
+                      <a:r>
+                        <a:rPr lang="zh-CN" sz="1400" kern="0" dirty="0">
+                          <a:effectLst/>
+                        </a:rPr>
+                        <a:t>也使得</a:t>
+                      </a:r>
+                      <a:r>
+                        <a:rPr lang="en-US" sz="1400" kern="0" dirty="0">
+                          <a:effectLst/>
+                        </a:rPr>
+                        <a:t>WEB</a:t>
+                      </a:r>
+                      <a:r>
+                        <a:rPr lang="zh-CN" sz="1400" kern="0" dirty="0">
+                          <a:effectLst/>
+                        </a:rPr>
+                        <a:t>应用更易于维护和修改。</a:t>
+                      </a:r>
+                      <a:endParaRPr lang="zh-CN" sz="1400" kern="100" dirty="0">
+                        <a:effectLst/>
+                        <a:latin typeface="等线" panose="02010600030101010101" pitchFamily="2" charset="-122"/>
+                        <a:ea typeface="等线" panose="02010600030101010101" pitchFamily="2" charset="-122"/>
+                        <a:cs typeface="Times New Roman" panose="02020603050405020304" pitchFamily="18" charset="0"/>
+                      </a:endParaRPr>
+                    </a:p>
+                  </a:txBody>
+                  <a:tcPr marL="68315" marR="68315" marT="0" marB="0"/>
+                </a:tc>
+                <a:tc>
+                  <a:txBody>
+                    <a:bodyPr/>
+                    <a:lstStyle/>
+                    <a:p>
+                      <a:pPr algn="just">
+                        <a:spcAft>
+                          <a:spcPts val="0"/>
+                        </a:spcAft>
+                      </a:pPr>
+                      <a:r>
+                        <a:rPr lang="en-US" sz="1400" kern="0" dirty="0">
+                          <a:effectLst/>
+                        </a:rPr>
+                        <a:t> </a:t>
+                      </a:r>
+                      <a:endParaRPr lang="zh-CN" sz="1400" kern="100" dirty="0">
+                        <a:effectLst/>
+                        <a:latin typeface="等线" panose="02010600030101010101" pitchFamily="2" charset="-122"/>
+                        <a:ea typeface="等线" panose="02010600030101010101" pitchFamily="2" charset="-122"/>
+                        <a:cs typeface="Times New Roman" panose="02020603050405020304" pitchFamily="18" charset="0"/>
+                      </a:endParaRPr>
+                    </a:p>
+                  </a:txBody>
+                  <a:tcPr marL="68315" marR="68315" marT="0" marB="0"/>
+                </a:tc>
+                <a:extLst>
+                  <a:ext uri="{0D108BD9-81ED-4DB2-BD59-A6C34878D82A}">
+                    <a16:rowId xmlns:a16="http://schemas.microsoft.com/office/drawing/2014/main" val="358306388"/>
+                  </a:ext>
+                </a:extLst>
+              </a:tr>
+              <a:tr h="752995">
+                <a:tc>
+                  <a:txBody>
+                    <a:bodyPr/>
+                    <a:lstStyle/>
+                    <a:p>
+                      <a:pPr algn="just">
+                        <a:spcAft>
+                          <a:spcPts val="0"/>
+                        </a:spcAft>
+                      </a:pPr>
+                      <a:r>
+                        <a:rPr lang="zh-CN" sz="1400" kern="0">
+                          <a:effectLst/>
+                        </a:rPr>
+                        <a:t>可扩展性</a:t>
+                      </a:r>
+                      <a:endParaRPr lang="zh-CN" sz="1400" kern="100">
+                        <a:effectLst/>
+                        <a:latin typeface="等线" panose="02010600030101010101" pitchFamily="2" charset="-122"/>
+                        <a:ea typeface="等线" panose="02010600030101010101" pitchFamily="2" charset="-122"/>
+                        <a:cs typeface="Times New Roman" panose="02020603050405020304" pitchFamily="18" charset="0"/>
+                      </a:endParaRPr>
+                    </a:p>
+                  </a:txBody>
+                  <a:tcPr marL="68315" marR="68315" marT="0" marB="0"/>
+                </a:tc>
+                <a:tc>
+                  <a:txBody>
+                    <a:bodyPr/>
+                    <a:lstStyle/>
+                    <a:p>
+                      <a:pPr algn="just">
+                        <a:spcAft>
+                          <a:spcPts val="0"/>
+                        </a:spcAft>
+                      </a:pPr>
+                      <a:r>
+                        <a:rPr lang="zh-CN" sz="1400" kern="0">
+                          <a:effectLst/>
+                        </a:rPr>
+                        <a:t>管道过滤架构器的可扩展性很好，新的过滤器可以添加到系统中来</a:t>
+                      </a:r>
+                      <a:endParaRPr lang="zh-CN" sz="1400" kern="100">
+                        <a:effectLst/>
+                        <a:latin typeface="等线" panose="02010600030101010101" pitchFamily="2" charset="-122"/>
+                        <a:ea typeface="等线" panose="02010600030101010101" pitchFamily="2" charset="-122"/>
+                        <a:cs typeface="Times New Roman" panose="02020603050405020304" pitchFamily="18" charset="0"/>
+                      </a:endParaRPr>
+                    </a:p>
+                  </a:txBody>
+                  <a:tcPr marL="68315" marR="68315" marT="0" marB="0"/>
+                </a:tc>
+                <a:tc>
+                  <a:txBody>
+                    <a:bodyPr/>
+                    <a:lstStyle/>
+                    <a:p>
+                      <a:pPr algn="just">
+                        <a:spcAft>
+                          <a:spcPts val="0"/>
+                        </a:spcAft>
+                      </a:pPr>
+                      <a:r>
+                        <a:rPr lang="en-US" sz="1400" kern="0" dirty="0">
+                          <a:effectLst/>
+                        </a:rPr>
+                        <a:t> </a:t>
+                      </a:r>
+                      <a:endParaRPr lang="zh-CN" sz="1400" kern="100" dirty="0">
+                        <a:effectLst/>
+                        <a:latin typeface="等线" panose="02010600030101010101" pitchFamily="2" charset="-122"/>
+                        <a:ea typeface="等线" panose="02010600030101010101" pitchFamily="2" charset="-122"/>
+                        <a:cs typeface="Times New Roman" panose="02020603050405020304" pitchFamily="18" charset="0"/>
+                      </a:endParaRPr>
+                    </a:p>
+                  </a:txBody>
+                  <a:tcPr marL="68315" marR="68315" marT="0" marB="0"/>
+                </a:tc>
+                <a:tc>
+                  <a:txBody>
+                    <a:bodyPr/>
+                    <a:lstStyle/>
+                    <a:p>
+                      <a:pPr algn="just">
+                        <a:spcAft>
+                          <a:spcPts val="0"/>
+                        </a:spcAft>
+                      </a:pPr>
+                      <a:r>
+                        <a:rPr lang="en-US" sz="1400" kern="0" dirty="0">
+                          <a:effectLst/>
+                        </a:rPr>
+                        <a:t> </a:t>
+                      </a:r>
+                      <a:endParaRPr lang="zh-CN" sz="1400" kern="100" dirty="0">
+                        <a:effectLst/>
+                        <a:latin typeface="等线" panose="02010600030101010101" pitchFamily="2" charset="-122"/>
+                        <a:ea typeface="等线" panose="02010600030101010101" pitchFamily="2" charset="-122"/>
+                        <a:cs typeface="Times New Roman" panose="02020603050405020304" pitchFamily="18" charset="0"/>
+                      </a:endParaRPr>
+                    </a:p>
+                  </a:txBody>
+                  <a:tcPr marL="68315" marR="68315" marT="0" marB="0"/>
+                </a:tc>
+                <a:tc>
+                  <a:txBody>
+                    <a:bodyPr/>
+                    <a:lstStyle/>
+                    <a:p>
+                      <a:pPr algn="just">
+                        <a:spcAft>
+                          <a:spcPts val="0"/>
+                        </a:spcAft>
+                      </a:pPr>
+                      <a:r>
+                        <a:rPr lang="en-US" sz="1400" kern="0" dirty="0">
+                          <a:effectLst/>
+                        </a:rPr>
+                        <a:t>MVC</a:t>
+                      </a:r>
+                      <a:r>
+                        <a:rPr lang="zh-CN" sz="1400" kern="0" dirty="0">
+                          <a:effectLst/>
+                        </a:rPr>
+                        <a:t>的可扩展性较弱</a:t>
+                      </a:r>
+                      <a:endParaRPr lang="zh-CN" sz="1400" kern="100" dirty="0">
+                        <a:effectLst/>
+                        <a:latin typeface="等线" panose="02010600030101010101" pitchFamily="2" charset="-122"/>
+                        <a:ea typeface="等线" panose="02010600030101010101" pitchFamily="2" charset="-122"/>
+                        <a:cs typeface="Times New Roman" panose="02020603050405020304" pitchFamily="18" charset="0"/>
+                      </a:endParaRPr>
+                    </a:p>
+                  </a:txBody>
+                  <a:tcPr marL="68315" marR="68315" marT="0" marB="0"/>
+                </a:tc>
+                <a:extLst>
+                  <a:ext uri="{0D108BD9-81ED-4DB2-BD59-A6C34878D82A}">
+                    <a16:rowId xmlns:a16="http://schemas.microsoft.com/office/drawing/2014/main" val="3560293226"/>
+                  </a:ext>
+                </a:extLst>
+              </a:tr>
+              <a:tr h="627496">
+                <a:tc>
+                  <a:txBody>
+                    <a:bodyPr/>
+                    <a:lstStyle/>
+                    <a:p>
+                      <a:pPr algn="just">
+                        <a:spcAft>
+                          <a:spcPts val="0"/>
+                        </a:spcAft>
+                      </a:pPr>
+                      <a:r>
+                        <a:rPr lang="zh-CN" sz="1400" kern="0" dirty="0">
+                          <a:effectLst/>
+                        </a:rPr>
+                        <a:t>成本约束</a:t>
+                      </a:r>
+                      <a:endParaRPr lang="zh-CN" sz="1400" kern="100" dirty="0">
+                        <a:effectLst/>
+                        <a:latin typeface="等线" panose="02010600030101010101" pitchFamily="2" charset="-122"/>
+                        <a:ea typeface="等线" panose="02010600030101010101" pitchFamily="2" charset="-122"/>
+                        <a:cs typeface="Times New Roman" panose="02020603050405020304" pitchFamily="18" charset="0"/>
+                      </a:endParaRPr>
+                    </a:p>
+                  </a:txBody>
+                  <a:tcPr marL="68315" marR="68315" marT="0" marB="0"/>
+                </a:tc>
+                <a:tc>
+                  <a:txBody>
+                    <a:bodyPr/>
+                    <a:lstStyle/>
+                    <a:p>
+                      <a:pPr algn="just">
+                        <a:spcAft>
+                          <a:spcPts val="0"/>
+                        </a:spcAft>
+                      </a:pPr>
+                      <a:r>
+                        <a:rPr lang="en-US" sz="1400" kern="0" dirty="0">
+                          <a:effectLst/>
+                        </a:rPr>
+                        <a:t> </a:t>
+                      </a:r>
+                      <a:endParaRPr lang="zh-CN" sz="1400" kern="100" dirty="0">
+                        <a:effectLst/>
+                        <a:latin typeface="等线" panose="02010600030101010101" pitchFamily="2" charset="-122"/>
+                        <a:ea typeface="等线" panose="02010600030101010101" pitchFamily="2" charset="-122"/>
+                        <a:cs typeface="Times New Roman" panose="02020603050405020304" pitchFamily="18" charset="0"/>
+                      </a:endParaRPr>
+                    </a:p>
+                  </a:txBody>
+                  <a:tcPr marL="68315" marR="68315" marT="0" marB="0"/>
+                </a:tc>
+                <a:tc>
+                  <a:txBody>
+                    <a:bodyPr/>
+                    <a:lstStyle/>
+                    <a:p>
+                      <a:pPr algn="just">
+                        <a:spcAft>
+                          <a:spcPts val="0"/>
+                        </a:spcAft>
+                      </a:pPr>
+                      <a:r>
+                        <a:rPr lang="zh-CN" sz="1400" kern="0">
+                          <a:effectLst/>
+                        </a:rPr>
+                        <a:t>数据传输没有通用标准，编写过滤器复杂，成本较高</a:t>
+                      </a:r>
+                      <a:endParaRPr lang="zh-CN" sz="1400" kern="100">
+                        <a:effectLst/>
+                        <a:latin typeface="等线" panose="02010600030101010101" pitchFamily="2" charset="-122"/>
+                        <a:ea typeface="等线" panose="02010600030101010101" pitchFamily="2" charset="-122"/>
+                        <a:cs typeface="Times New Roman" panose="02020603050405020304" pitchFamily="18" charset="0"/>
+                      </a:endParaRPr>
+                    </a:p>
+                  </a:txBody>
+                  <a:tcPr marL="68315" marR="68315" marT="0" marB="0"/>
+                </a:tc>
+                <a:tc>
+                  <a:txBody>
+                    <a:bodyPr/>
+                    <a:lstStyle/>
+                    <a:p>
+                      <a:pPr algn="just">
+                        <a:spcAft>
+                          <a:spcPts val="0"/>
+                        </a:spcAft>
+                      </a:pPr>
+                      <a:r>
+                        <a:rPr lang="zh-CN" sz="1400" kern="0" dirty="0">
+                          <a:effectLst/>
+                        </a:rPr>
+                        <a:t>容易掌握，开发快速</a:t>
+                      </a:r>
+                      <a:endParaRPr lang="zh-CN" sz="1400" kern="100" dirty="0">
+                        <a:effectLst/>
+                      </a:endParaRPr>
+                    </a:p>
+                    <a:p>
+                      <a:pPr algn="just">
+                        <a:spcAft>
+                          <a:spcPts val="0"/>
+                        </a:spcAft>
+                      </a:pPr>
+                      <a:r>
+                        <a:rPr lang="en-US" sz="1400" kern="0" dirty="0">
+                          <a:effectLst/>
+                        </a:rPr>
+                        <a:t> </a:t>
+                      </a:r>
+                      <a:endParaRPr lang="zh-CN" sz="1400" kern="100" dirty="0">
+                        <a:effectLst/>
+                        <a:latin typeface="等线" panose="02010600030101010101" pitchFamily="2" charset="-122"/>
+                        <a:ea typeface="等线" panose="02010600030101010101" pitchFamily="2" charset="-122"/>
+                        <a:cs typeface="Times New Roman" panose="02020603050405020304" pitchFamily="18" charset="0"/>
+                      </a:endParaRPr>
+                    </a:p>
+                  </a:txBody>
+                  <a:tcPr marL="68315" marR="68315" marT="0" marB="0"/>
+                </a:tc>
+                <a:tc>
+                  <a:txBody>
+                    <a:bodyPr/>
+                    <a:lstStyle/>
+                    <a:p>
+                      <a:pPr algn="just">
+                        <a:spcAft>
+                          <a:spcPts val="0"/>
+                        </a:spcAft>
+                      </a:pPr>
+                      <a:r>
+                        <a:rPr lang="en-US" sz="1400" kern="0" dirty="0">
+                          <a:effectLst/>
+                        </a:rPr>
+                        <a:t> </a:t>
+                      </a:r>
+                      <a:endParaRPr lang="zh-CN" sz="1400" kern="100" dirty="0">
+                        <a:effectLst/>
+                        <a:latin typeface="等线" panose="02010600030101010101" pitchFamily="2" charset="-122"/>
+                        <a:ea typeface="等线" panose="02010600030101010101" pitchFamily="2" charset="-122"/>
+                        <a:cs typeface="Times New Roman" panose="02020603050405020304" pitchFamily="18" charset="0"/>
+                      </a:endParaRPr>
+                    </a:p>
+                  </a:txBody>
+                  <a:tcPr marL="68315" marR="68315" marT="0" marB="0"/>
+                </a:tc>
+                <a:extLst>
+                  <a:ext uri="{0D108BD9-81ED-4DB2-BD59-A6C34878D82A}">
+                    <a16:rowId xmlns:a16="http://schemas.microsoft.com/office/drawing/2014/main" val="1200923294"/>
+                  </a:ext>
+                </a:extLst>
+              </a:tr>
+            </a:tbl>
+          </a:graphicData>
+        </a:graphic>
+      </p:graphicFrame>
+    </p:spTree>
+    <p:extLst>
+      <p:ext uri="{BB962C8B-B14F-4D97-AF65-F5344CB8AC3E}">
+        <p14:creationId xmlns:p14="http://schemas.microsoft.com/office/powerpoint/2010/main" val="309388743"/>
+      </p:ext>
+    </p:extLst>
+  </p:cSld>
+  <p:clrMapOvr>
+    <a:masterClrMapping/>
+  </p:clrMapOvr>
+</p:sld>
+</file>
+
+<file path=ppt/slides/slide12.xml><?xml version="1.0" encoding="utf-8"?>
+<p:sld xmlns:a="http://schemas.openxmlformats.org/drawingml/2006/main" xmlns:r="http://schemas.openxmlformats.org/officeDocument/2006/relationships" xmlns:p="http://schemas.openxmlformats.org/presentationml/2006/main">
+  <p:cSld>
+    <p:spTree>
+      <p:nvGrpSpPr>
+        <p:cNvPr id="1" name=""/>
+        <p:cNvGrpSpPr/>
+        <p:nvPr/>
+      </p:nvGrpSpPr>
+      <p:grpSpPr>
+        <a:xfrm>
+          <a:off x="0" y="0"/>
+          <a:ext cx="0" cy="0"/>
+          <a:chOff x="0" y="0"/>
+          <a:chExt cx="0" cy="0"/>
+        </a:xfrm>
+      </p:grpSpPr>
+      <p:sp>
+        <p:nvSpPr>
+          <p:cNvPr id="2" name="标题 1">
+            <a:extLst>
+              <a:ext uri="{FF2B5EF4-FFF2-40B4-BE49-F238E27FC236}">
                 <a16:creationId xmlns:a16="http://schemas.microsoft.com/office/drawing/2014/main" id="{7FC4F5EE-CCD2-4321-89D9-F30631D424F9}"/>
               </a:ext>
             </a:extLst>
@@ -4259,7 +6317,7 @@
             </a:r>
             <a:r>
               <a:rPr lang="zh-CN" altLang="en-US" dirty="0"/>
-              <a:t>的三级</a:t>
+              <a:t>的</a:t>
             </a:r>
             <a:r>
               <a:rPr lang="en-US" altLang="zh-CN" dirty="0"/>
@@ -4309,7 +6367,7 @@
     </p:spTree>
     <p:extLst>
       <p:ext uri="{BB962C8B-B14F-4D97-AF65-F5344CB8AC3E}">
-        <p14:creationId xmlns:p14="http://schemas.microsoft.com/office/powerpoint/2010/main" val="3354484923"/>
+        <p14:creationId xmlns:p14="http://schemas.microsoft.com/office/powerpoint/2010/main" val="4064748102"/>
       </p:ext>
     </p:extLst>
   </p:cSld>
@@ -4319,7 +6377,7 @@
 </p:sld>
 </file>
 
-<file path=ppt/slides/slide11.xml><?xml version="1.0" encoding="utf-8"?>
+<file path=ppt/slides/slide13.xml><?xml version="1.0" encoding="utf-8"?>
 <p:sld xmlns:a="http://schemas.openxmlformats.org/drawingml/2006/main" xmlns:r="http://schemas.openxmlformats.org/officeDocument/2006/relationships" xmlns:p="http://schemas.openxmlformats.org/presentationml/2006/main">
   <p:cSld>
     <p:spTree>
@@ -4426,7 +6484,7 @@
     </p:spTree>
     <p:extLst>
       <p:ext uri="{BB962C8B-B14F-4D97-AF65-F5344CB8AC3E}">
-        <p14:creationId xmlns:p14="http://schemas.microsoft.com/office/powerpoint/2010/main" val="2513400731"/>
+        <p14:creationId xmlns:p14="http://schemas.microsoft.com/office/powerpoint/2010/main" val="3673247677"/>
       </p:ext>
     </p:extLst>
   </p:cSld>
@@ -4436,7 +6494,7 @@
 </p:sld>
 </file>
 
-<file path=ppt/slides/slide12.xml><?xml version="1.0" encoding="utf-8"?>
+<file path=ppt/slides/slide14.xml><?xml version="1.0" encoding="utf-8"?>
 <p:sld xmlns:a="http://schemas.openxmlformats.org/drawingml/2006/main" xmlns:r="http://schemas.openxmlformats.org/officeDocument/2006/relationships" xmlns:p="http://schemas.openxmlformats.org/presentationml/2006/main">
   <p:cSld>
     <p:spTree>
@@ -4474,7 +6532,10 @@
           <a:bodyPr/>
           <a:lstStyle/>
           <a:p>
-            <a:endParaRPr lang="zh-CN" altLang="en-US"/>
+            <a:r>
+              <a:rPr lang="zh-CN" altLang="en-US" dirty="0"/>
+              <a:t>部件概览</a:t>
+            </a:r>
           </a:p>
         </p:txBody>
       </p:sp>
@@ -4497,19 +6558,18 @@
         <p:spPr>
           <a:xfrm>
             <a:off x="660400" y="1121434"/>
-            <a:ext cx="5297055" cy="4577402"/>
+            <a:ext cx="5708075" cy="5145802"/>
           </a:xfrm>
         </p:spPr>
         <p:txBody>
           <a:bodyPr>
-            <a:normAutofit fontScale="40000" lnSpcReduction="20000"/>
+            <a:normAutofit fontScale="47500" lnSpcReduction="20000"/>
           </a:bodyPr>
           <a:lstStyle/>
           <a:p>
-            <a:r>
-              <a:rPr lang="en-US" altLang="zh-CN" dirty="0"/>
-              <a:t> </a:t>
-            </a:r>
+            <a:pPr marL="0" indent="0">
+              <a:buNone/>
+            </a:pPr>
             <a:endParaRPr lang="zh-CN" altLang="zh-CN" dirty="0"/>
           </a:p>
           <a:p>
@@ -4793,7 +6853,7 @@
         </p:nvSpPr>
         <p:spPr>
           <a:xfrm>
-            <a:off x="6368475" y="1159164"/>
+            <a:off x="6368475" y="1053101"/>
             <a:ext cx="5297055" cy="4577402"/>
           </a:xfrm>
           <a:prstGeom prst="rect">
@@ -4985,6 +7045,9 @@
             </a:lvl9pPr>
           </a:lstStyle>
           <a:p>
+            <a:pPr marL="0" indent="0">
+              <a:buNone/>
+            </a:pPr>
             <a:r>
               <a:rPr lang="zh-CN" altLang="en-US" dirty="0"/>
               <a:t> </a:t>
@@ -5245,7 +7308,7 @@
     </p:spTree>
     <p:extLst>
       <p:ext uri="{BB962C8B-B14F-4D97-AF65-F5344CB8AC3E}">
-        <p14:creationId xmlns:p14="http://schemas.microsoft.com/office/powerpoint/2010/main" val="656370559"/>
+        <p14:creationId xmlns:p14="http://schemas.microsoft.com/office/powerpoint/2010/main" val="2540129779"/>
       </p:ext>
     </p:extLst>
   </p:cSld>
@@ -5255,7 +7318,7 @@
 </p:sld>
 </file>
 
-<file path=ppt/slides/slide13.xml><?xml version="1.0" encoding="utf-8"?>
+<file path=ppt/slides/slide15.xml><?xml version="1.0" encoding="utf-8"?>
 <p:sld xmlns:a="http://schemas.openxmlformats.org/drawingml/2006/main" xmlns:r="http://schemas.openxmlformats.org/officeDocument/2006/relationships" xmlns:p="http://schemas.openxmlformats.org/presentationml/2006/main">
   <p:cSld>
     <p:spTree>
@@ -5277,6 +7340,362 @@
           <p:cNvPr id="2" name="标题 1">
             <a:extLst>
               <a:ext uri="{FF2B5EF4-FFF2-40B4-BE49-F238E27FC236}">
+                <a16:creationId xmlns:a16="http://schemas.microsoft.com/office/drawing/2014/main" id="{C7E0A4EC-F1DD-435F-BA69-5C77310D4237}"/>
+              </a:ext>
+            </a:extLst>
+          </p:cNvPr>
+          <p:cNvSpPr>
+            <a:spLocks noGrp="1"/>
+          </p:cNvSpPr>
+          <p:nvPr>
+            <p:ph type="title"/>
+          </p:nvPr>
+        </p:nvSpPr>
+        <p:spPr/>
+        <p:txBody>
+          <a:bodyPr/>
+          <a:lstStyle/>
+          <a:p>
+            <a:r>
+              <a:rPr lang="en-US" altLang="zh-CN" dirty="0"/>
+              <a:t>MVC</a:t>
+            </a:r>
+            <a:r>
+              <a:rPr lang="zh-CN" altLang="en-US" dirty="0"/>
+              <a:t>迭代过程</a:t>
+            </a:r>
+          </a:p>
+        </p:txBody>
+      </p:sp>
+      <p:sp>
+        <p:nvSpPr>
+          <p:cNvPr id="3" name="内容占位符 2">
+            <a:extLst>
+              <a:ext uri="{FF2B5EF4-FFF2-40B4-BE49-F238E27FC236}">
+                <a16:creationId xmlns:a16="http://schemas.microsoft.com/office/drawing/2014/main" id="{1A695AD3-9221-47BD-8D89-715445398B4D}"/>
+              </a:ext>
+            </a:extLst>
+          </p:cNvPr>
+          <p:cNvSpPr>
+            <a:spLocks noGrp="1"/>
+          </p:cNvSpPr>
+          <p:nvPr>
+            <p:ph idx="1"/>
+          </p:nvPr>
+        </p:nvSpPr>
+        <p:spPr/>
+        <p:txBody>
+          <a:bodyPr/>
+          <a:lstStyle/>
+          <a:p>
+            <a:r>
+              <a:rPr lang="en-US" altLang="zh-CN" dirty="0"/>
+              <a:t>1.</a:t>
+            </a:r>
+            <a:r>
+              <a:rPr lang="zh-CN" altLang="en-US" dirty="0"/>
+              <a:t>迭代一模块划分</a:t>
+            </a:r>
+          </a:p>
+        </p:txBody>
+      </p:sp>
+      <p:pic>
+        <p:nvPicPr>
+          <p:cNvPr id="4" name="图片 3" descr="模块组织图">
+            <a:extLst>
+              <a:ext uri="{FF2B5EF4-FFF2-40B4-BE49-F238E27FC236}">
+                <a16:creationId xmlns:a16="http://schemas.microsoft.com/office/drawing/2014/main" id="{C360553D-1638-4EA4-B788-3A55DD91E8CE}"/>
+              </a:ext>
+            </a:extLst>
+          </p:cNvPr>
+          <p:cNvPicPr/>
+          <p:nvPr/>
+        </p:nvPicPr>
+        <p:blipFill>
+          <a:blip r:embed="rId2"/>
+          <a:stretch>
+            <a:fillRect/>
+          </a:stretch>
+        </p:blipFill>
+        <p:spPr>
+          <a:xfrm>
+            <a:off x="1630998" y="1263478"/>
+            <a:ext cx="8817820" cy="5311982"/>
+          </a:xfrm>
+          <a:prstGeom prst="rect">
+            <a:avLst/>
+          </a:prstGeom>
+        </p:spPr>
+      </p:pic>
+    </p:spTree>
+    <p:extLst>
+      <p:ext uri="{BB962C8B-B14F-4D97-AF65-F5344CB8AC3E}">
+        <p14:creationId xmlns:p14="http://schemas.microsoft.com/office/powerpoint/2010/main" val="3290962032"/>
+      </p:ext>
+    </p:extLst>
+  </p:cSld>
+  <p:clrMapOvr>
+    <a:masterClrMapping/>
+  </p:clrMapOvr>
+</p:sld>
+</file>
+
+<file path=ppt/slides/slide16.xml><?xml version="1.0" encoding="utf-8"?>
+<p:sld xmlns:a="http://schemas.openxmlformats.org/drawingml/2006/main" xmlns:r="http://schemas.openxmlformats.org/officeDocument/2006/relationships" xmlns:p="http://schemas.openxmlformats.org/presentationml/2006/main">
+  <p:cSld>
+    <p:spTree>
+      <p:nvGrpSpPr>
+        <p:cNvPr id="1" name=""/>
+        <p:cNvGrpSpPr/>
+        <p:nvPr/>
+      </p:nvGrpSpPr>
+      <p:grpSpPr>
+        <a:xfrm>
+          <a:off x="0" y="0"/>
+          <a:ext cx="0" cy="0"/>
+          <a:chOff x="0" y="0"/>
+          <a:chExt cx="0" cy="0"/>
+        </a:xfrm>
+      </p:grpSpPr>
+      <p:sp>
+        <p:nvSpPr>
+          <p:cNvPr id="2" name="标题 1">
+            <a:extLst>
+              <a:ext uri="{FF2B5EF4-FFF2-40B4-BE49-F238E27FC236}">
+                <a16:creationId xmlns:a16="http://schemas.microsoft.com/office/drawing/2014/main" id="{DD6F1AC8-5AD5-4048-B089-8DAC162808AD}"/>
+              </a:ext>
+            </a:extLst>
+          </p:cNvPr>
+          <p:cNvSpPr>
+            <a:spLocks noGrp="1"/>
+          </p:cNvSpPr>
+          <p:nvPr>
+            <p:ph type="title"/>
+          </p:nvPr>
+        </p:nvSpPr>
+        <p:spPr/>
+        <p:txBody>
+          <a:bodyPr/>
+          <a:lstStyle/>
+          <a:p>
+            <a:endParaRPr lang="zh-CN" altLang="en-US" dirty="0"/>
+          </a:p>
+        </p:txBody>
+      </p:sp>
+      <p:sp>
+        <p:nvSpPr>
+          <p:cNvPr id="3" name="内容占位符 2">
+            <a:extLst>
+              <a:ext uri="{FF2B5EF4-FFF2-40B4-BE49-F238E27FC236}">
+                <a16:creationId xmlns:a16="http://schemas.microsoft.com/office/drawing/2014/main" id="{018AC3BB-8CD7-485F-9803-F8642F7881D6}"/>
+              </a:ext>
+            </a:extLst>
+          </p:cNvPr>
+          <p:cNvSpPr>
+            <a:spLocks noGrp="1"/>
+          </p:cNvSpPr>
+          <p:nvPr>
+            <p:ph idx="1"/>
+          </p:nvPr>
+        </p:nvSpPr>
+        <p:spPr/>
+        <p:txBody>
+          <a:bodyPr/>
+          <a:lstStyle/>
+          <a:p>
+            <a:r>
+              <a:rPr lang="zh-CN" altLang="en-US" dirty="0"/>
+              <a:t>第二次迭代：用户模块</a:t>
+            </a:r>
+            <a:endParaRPr lang="en-US" altLang="zh-CN" dirty="0"/>
+          </a:p>
+          <a:p>
+            <a:pPr lvl="2"/>
+            <a:r>
+              <a:rPr lang="zh-CN" altLang="en-US" dirty="0"/>
+              <a:t>识别</a:t>
+            </a:r>
+            <a:r>
+              <a:rPr lang="en-US" altLang="zh-CN" dirty="0"/>
+              <a:t>ASR</a:t>
+            </a:r>
+          </a:p>
+          <a:p>
+            <a:pPr lvl="2"/>
+            <a:r>
+              <a:rPr lang="zh-CN" altLang="en-US" dirty="0"/>
+              <a:t>为每个</a:t>
+            </a:r>
+            <a:r>
+              <a:rPr lang="en-US" altLang="zh-CN" dirty="0"/>
+              <a:t>ASR</a:t>
+            </a:r>
+            <a:r>
+              <a:rPr lang="zh-CN" altLang="en-US" dirty="0"/>
+              <a:t>确立设计决策</a:t>
+            </a:r>
+            <a:endParaRPr lang="en-US" altLang="zh-CN" dirty="0"/>
+          </a:p>
+          <a:p>
+            <a:pPr lvl="2"/>
+            <a:r>
+              <a:rPr lang="zh-CN" altLang="en-US" dirty="0"/>
+              <a:t>最终结果</a:t>
+            </a:r>
+            <a:endParaRPr lang="en-US" altLang="zh-CN" dirty="0"/>
+          </a:p>
+          <a:p>
+            <a:pPr lvl="2"/>
+            <a:endParaRPr lang="en-US" altLang="zh-CN" dirty="0"/>
+          </a:p>
+          <a:p>
+            <a:pPr marL="685800" lvl="2" indent="0">
+              <a:buNone/>
+            </a:pPr>
+            <a:endParaRPr lang="en-US" altLang="zh-CN" dirty="0"/>
+          </a:p>
+          <a:p>
+            <a:r>
+              <a:rPr lang="zh-CN" altLang="en-US" dirty="0"/>
+              <a:t>第三次迭代：任务模块</a:t>
+            </a:r>
+            <a:endParaRPr lang="en-US" altLang="zh-CN" dirty="0"/>
+          </a:p>
+          <a:p>
+            <a:pPr lvl="2"/>
+            <a:r>
+              <a:rPr lang="zh-CN" altLang="en-US" dirty="0"/>
+              <a:t>识别</a:t>
+            </a:r>
+            <a:r>
+              <a:rPr lang="en-US" altLang="zh-CN" dirty="0"/>
+              <a:t>ASR</a:t>
+            </a:r>
+          </a:p>
+          <a:p>
+            <a:pPr lvl="2"/>
+            <a:r>
+              <a:rPr lang="zh-CN" altLang="en-US" dirty="0"/>
+              <a:t>为每个</a:t>
+            </a:r>
+            <a:r>
+              <a:rPr lang="en-US" altLang="zh-CN" dirty="0"/>
+              <a:t>ASR</a:t>
+            </a:r>
+            <a:r>
+              <a:rPr lang="zh-CN" altLang="en-US" dirty="0"/>
+              <a:t>确立设计决策</a:t>
+            </a:r>
+            <a:endParaRPr lang="en-US" altLang="zh-CN" dirty="0"/>
+          </a:p>
+          <a:p>
+            <a:pPr lvl="2"/>
+            <a:r>
+              <a:rPr lang="zh-CN" altLang="en-US" dirty="0"/>
+              <a:t>最终结果</a:t>
+            </a:r>
+            <a:endParaRPr lang="en-US" altLang="zh-CN" dirty="0"/>
+          </a:p>
+          <a:p>
+            <a:endParaRPr lang="zh-CN" altLang="en-US" dirty="0"/>
+          </a:p>
+        </p:txBody>
+      </p:sp>
+      <p:pic>
+        <p:nvPicPr>
+          <p:cNvPr id="4" name="图片 3">
+            <a:extLst>
+              <a:ext uri="{FF2B5EF4-FFF2-40B4-BE49-F238E27FC236}">
+                <a16:creationId xmlns:a16="http://schemas.microsoft.com/office/drawing/2014/main" id="{BD09C8B8-A17C-4742-97FB-C3F11ABF7A5E}"/>
+              </a:ext>
+            </a:extLst>
+          </p:cNvPr>
+          <p:cNvPicPr>
+            <a:picLocks noChangeAspect="1"/>
+          </p:cNvPicPr>
+          <p:nvPr/>
+        </p:nvPicPr>
+        <p:blipFill>
+          <a:blip r:embed="rId2"/>
+          <a:stretch>
+            <a:fillRect/>
+          </a:stretch>
+        </p:blipFill>
+        <p:spPr>
+          <a:xfrm>
+            <a:off x="4574910" y="1276065"/>
+            <a:ext cx="3760055" cy="4305869"/>
+          </a:xfrm>
+          <a:prstGeom prst="rect">
+            <a:avLst/>
+          </a:prstGeom>
+        </p:spPr>
+      </p:pic>
+      <p:pic>
+        <p:nvPicPr>
+          <p:cNvPr id="5" name="图片 4">
+            <a:extLst>
+              <a:ext uri="{FF2B5EF4-FFF2-40B4-BE49-F238E27FC236}">
+                <a16:creationId xmlns:a16="http://schemas.microsoft.com/office/drawing/2014/main" id="{F73F00C6-638D-4E8A-8693-7FA595CCE774}"/>
+              </a:ext>
+            </a:extLst>
+          </p:cNvPr>
+          <p:cNvPicPr>
+            <a:picLocks noChangeAspect="1"/>
+          </p:cNvPicPr>
+          <p:nvPr/>
+        </p:nvPicPr>
+        <p:blipFill>
+          <a:blip r:embed="rId3"/>
+          <a:stretch>
+            <a:fillRect/>
+          </a:stretch>
+        </p:blipFill>
+        <p:spPr>
+          <a:xfrm>
+            <a:off x="7808149" y="1121434"/>
+            <a:ext cx="3672650" cy="4828854"/>
+          </a:xfrm>
+          <a:prstGeom prst="rect">
+            <a:avLst/>
+          </a:prstGeom>
+        </p:spPr>
+      </p:pic>
+    </p:spTree>
+    <p:extLst>
+      <p:ext uri="{BB962C8B-B14F-4D97-AF65-F5344CB8AC3E}">
+        <p14:creationId xmlns:p14="http://schemas.microsoft.com/office/powerpoint/2010/main" val="2132529905"/>
+      </p:ext>
+    </p:extLst>
+  </p:cSld>
+  <p:clrMapOvr>
+    <a:masterClrMapping/>
+  </p:clrMapOvr>
+</p:sld>
+</file>
+
+<file path=ppt/slides/slide17.xml><?xml version="1.0" encoding="utf-8"?>
+<p:sld xmlns:a="http://schemas.openxmlformats.org/drawingml/2006/main" xmlns:r="http://schemas.openxmlformats.org/officeDocument/2006/relationships" xmlns:p="http://schemas.openxmlformats.org/presentationml/2006/main">
+  <p:cSld>
+    <p:spTree>
+      <p:nvGrpSpPr>
+        <p:cNvPr id="1" name=""/>
+        <p:cNvGrpSpPr/>
+        <p:nvPr/>
+      </p:nvGrpSpPr>
+      <p:grpSpPr>
+        <a:xfrm>
+          <a:off x="0" y="0"/>
+          <a:ext cx="0" cy="0"/>
+          <a:chOff x="0" y="0"/>
+          <a:chExt cx="0" cy="0"/>
+        </a:xfrm>
+      </p:grpSpPr>
+      <p:sp>
+        <p:nvSpPr>
+          <p:cNvPr id="2" name="标题 1">
+            <a:extLst>
+              <a:ext uri="{FF2B5EF4-FFF2-40B4-BE49-F238E27FC236}">
                 <a16:creationId xmlns:a16="http://schemas.microsoft.com/office/drawing/2014/main" id="{2724F26D-CE0F-4BB5-9B86-A6A0EE703CD2}"/>
               </a:ext>
             </a:extLst>
@@ -5324,7 +7743,7 @@
 </p:sld>
 </file>
 
-<file path=ppt/slides/slide14.xml><?xml version="1.0" encoding="utf-8"?>
+<file path=ppt/slides/slide18.xml><?xml version="1.0" encoding="utf-8"?>
 <p:sld xmlns:a="http://schemas.openxmlformats.org/drawingml/2006/main" xmlns:r="http://schemas.openxmlformats.org/officeDocument/2006/relationships" xmlns:p="http://schemas.openxmlformats.org/presentationml/2006/main">
   <p:cSld>
     <p:spTree>
@@ -5462,7 +7881,7 @@
 </p:sld>
 </file>
 
-<file path=ppt/slides/slide15.xml><?xml version="1.0" encoding="utf-8"?>
+<file path=ppt/slides/slide19.xml><?xml version="1.0" encoding="utf-8"?>
 <p:sld xmlns:a="http://schemas.openxmlformats.org/drawingml/2006/main" xmlns:r="http://schemas.openxmlformats.org/officeDocument/2006/relationships" xmlns:p="http://schemas.openxmlformats.org/presentationml/2006/main">
   <p:cSld>
     <p:spTree>
@@ -5606,7 +8025,142 @@
 </p:sld>
 </file>
 
-<file path=ppt/slides/slide16.xml><?xml version="1.0" encoding="utf-8"?>
+<file path=ppt/slides/slide2.xml><?xml version="1.0" encoding="utf-8"?>
+<p:sld xmlns:a="http://schemas.openxmlformats.org/drawingml/2006/main" xmlns:r="http://schemas.openxmlformats.org/officeDocument/2006/relationships" xmlns:p="http://schemas.openxmlformats.org/presentationml/2006/main">
+  <p:cSld>
+    <p:spTree>
+      <p:nvGrpSpPr>
+        <p:cNvPr id="1" name=""/>
+        <p:cNvGrpSpPr/>
+        <p:nvPr/>
+      </p:nvGrpSpPr>
+      <p:grpSpPr>
+        <a:xfrm>
+          <a:off x="0" y="0"/>
+          <a:ext cx="0" cy="0"/>
+          <a:chOff x="0" y="0"/>
+          <a:chExt cx="0" cy="0"/>
+        </a:xfrm>
+      </p:grpSpPr>
+      <p:sp>
+        <p:nvSpPr>
+          <p:cNvPr id="2" name="标题 1">
+            <a:extLst>
+              <a:ext uri="{FF2B5EF4-FFF2-40B4-BE49-F238E27FC236}">
+                <a16:creationId xmlns:a16="http://schemas.microsoft.com/office/drawing/2014/main" id="{11EA01E2-A62F-4CEC-BFAE-F525E395B634}"/>
+              </a:ext>
+            </a:extLst>
+          </p:cNvPr>
+          <p:cNvSpPr>
+            <a:spLocks noGrp="1"/>
+          </p:cNvSpPr>
+          <p:nvPr>
+            <p:ph type="title"/>
+          </p:nvPr>
+        </p:nvSpPr>
+        <p:spPr/>
+        <p:txBody>
+          <a:bodyPr/>
+          <a:lstStyle/>
+          <a:p>
+            <a:r>
+              <a:rPr lang="zh-CN" altLang="en-US" dirty="0"/>
+              <a:t>目录</a:t>
+            </a:r>
+          </a:p>
+        </p:txBody>
+      </p:sp>
+      <p:sp>
+        <p:nvSpPr>
+          <p:cNvPr id="3" name="内容占位符 2">
+            <a:extLst>
+              <a:ext uri="{FF2B5EF4-FFF2-40B4-BE49-F238E27FC236}">
+                <a16:creationId xmlns:a16="http://schemas.microsoft.com/office/drawing/2014/main" id="{623DDCA6-4BE8-47E7-99A1-71113D143053}"/>
+              </a:ext>
+            </a:extLst>
+          </p:cNvPr>
+          <p:cNvSpPr>
+            <a:spLocks noGrp="1"/>
+          </p:cNvSpPr>
+          <p:nvPr>
+            <p:ph idx="1"/>
+          </p:nvPr>
+        </p:nvSpPr>
+        <p:spPr/>
+        <p:txBody>
+          <a:bodyPr/>
+          <a:lstStyle/>
+          <a:p>
+            <a:r>
+              <a:rPr lang="en-US" altLang="zh-CN" dirty="0"/>
+              <a:t>1.</a:t>
+            </a:r>
+            <a:r>
+              <a:rPr lang="zh-CN" altLang="en-US" dirty="0"/>
+              <a:t>项目概述与人员</a:t>
+            </a:r>
+            <a:endParaRPr lang="en-US" altLang="zh-CN" dirty="0"/>
+          </a:p>
+          <a:p>
+            <a:r>
+              <a:rPr lang="en-US" altLang="zh-CN" dirty="0"/>
+              <a:t>2.</a:t>
+            </a:r>
+            <a:r>
+              <a:rPr lang="zh-CN" altLang="en-US" dirty="0"/>
+              <a:t>需求概述</a:t>
+            </a:r>
+            <a:endParaRPr lang="en-US" altLang="zh-CN" dirty="0"/>
+          </a:p>
+          <a:p>
+            <a:r>
+              <a:rPr lang="en-US" altLang="zh-CN" dirty="0"/>
+              <a:t>3.</a:t>
+            </a:r>
+            <a:r>
+              <a:rPr lang="zh-CN" altLang="en-US" dirty="0"/>
+              <a:t>两种架构的比较与选择</a:t>
+            </a:r>
+            <a:endParaRPr lang="en-US" altLang="zh-CN" dirty="0"/>
+          </a:p>
+          <a:p>
+            <a:r>
+              <a:rPr lang="en-US" altLang="zh-CN" dirty="0"/>
+              <a:t>4.</a:t>
+            </a:r>
+            <a:r>
+              <a:rPr lang="zh-CN" altLang="en-US" dirty="0"/>
+              <a:t>其他设计细节</a:t>
+            </a:r>
+            <a:endParaRPr lang="en-US" altLang="zh-CN" dirty="0"/>
+          </a:p>
+          <a:p>
+            <a:r>
+              <a:rPr lang="en-US" altLang="zh-CN" dirty="0"/>
+              <a:t>5.</a:t>
+            </a:r>
+            <a:r>
+              <a:rPr lang="zh-CN" altLang="en-US" dirty="0"/>
+              <a:t>思考与反思</a:t>
+            </a:r>
+            <a:endParaRPr lang="en-US" altLang="zh-CN" dirty="0"/>
+          </a:p>
+        </p:txBody>
+      </p:sp>
+    </p:spTree>
+    <p:extLst>
+      <p:ext uri="{BB962C8B-B14F-4D97-AF65-F5344CB8AC3E}">
+        <p14:creationId xmlns:p14="http://schemas.microsoft.com/office/powerpoint/2010/main" val="3736640368"/>
+      </p:ext>
+    </p:extLst>
+  </p:cSld>
+  <p:clrMapOvr>
+    <a:masterClrMapping/>
+  </p:clrMapOvr>
+</p:sld>
+</file>
+
+<file path=ppt/slides/slide20.xml><?xml version="1.0" encoding="utf-8"?>
 <p:sld xmlns:a="http://schemas.openxmlformats.org/drawingml/2006/main" xmlns:r="http://schemas.openxmlformats.org/officeDocument/2006/relationships" xmlns:p="http://schemas.openxmlformats.org/presentationml/2006/main">
   <p:cSld>
     <p:spTree>
@@ -5756,472 +8310,6 @@
 </p:sld>
 </file>
 
-<file path=ppt/slides/slide17.xml><?xml version="1.0" encoding="utf-8"?>
-<p:sld xmlns:a="http://schemas.openxmlformats.org/drawingml/2006/main" xmlns:r="http://schemas.openxmlformats.org/officeDocument/2006/relationships" xmlns:p="http://schemas.openxmlformats.org/presentationml/2006/main">
-  <p:cSld>
-    <p:spTree>
-      <p:nvGrpSpPr>
-        <p:cNvPr id="1" name=""/>
-        <p:cNvGrpSpPr/>
-        <p:nvPr/>
-      </p:nvGrpSpPr>
-      <p:grpSpPr>
-        <a:xfrm>
-          <a:off x="0" y="0"/>
-          <a:ext cx="0" cy="0"/>
-          <a:chOff x="0" y="0"/>
-          <a:chExt cx="0" cy="0"/>
-        </a:xfrm>
-      </p:grpSpPr>
-      <p:sp>
-        <p:nvSpPr>
-          <p:cNvPr id="2" name="标题 1">
-            <a:extLst>
-              <a:ext uri="{FF2B5EF4-FFF2-40B4-BE49-F238E27FC236}">
-                <a16:creationId xmlns:a16="http://schemas.microsoft.com/office/drawing/2014/main" id="{7FC4F5EE-CCD2-4321-89D9-F30631D424F9}"/>
-              </a:ext>
-            </a:extLst>
-          </p:cNvPr>
-          <p:cNvSpPr>
-            <a:spLocks noGrp="1"/>
-          </p:cNvSpPr>
-          <p:nvPr>
-            <p:ph type="title"/>
-          </p:nvPr>
-        </p:nvSpPr>
-        <p:spPr/>
-        <p:txBody>
-          <a:bodyPr/>
-          <a:lstStyle/>
-          <a:p>
-            <a:endParaRPr lang="zh-CN" altLang="en-US"/>
-          </a:p>
-        </p:txBody>
-      </p:sp>
-      <p:sp>
-        <p:nvSpPr>
-          <p:cNvPr id="3" name="内容占位符 2">
-            <a:extLst>
-              <a:ext uri="{FF2B5EF4-FFF2-40B4-BE49-F238E27FC236}">
-                <a16:creationId xmlns:a16="http://schemas.microsoft.com/office/drawing/2014/main" id="{C7D6E037-789E-496C-9A55-244DAA8E1338}"/>
-              </a:ext>
-            </a:extLst>
-          </p:cNvPr>
-          <p:cNvSpPr>
-            <a:spLocks noGrp="1"/>
-          </p:cNvSpPr>
-          <p:nvPr>
-            <p:ph idx="1"/>
-          </p:nvPr>
-        </p:nvSpPr>
-        <p:spPr/>
-        <p:txBody>
-          <a:bodyPr/>
-          <a:lstStyle/>
-          <a:p>
-            <a:endParaRPr lang="zh-CN" altLang="en-US"/>
-          </a:p>
-        </p:txBody>
-      </p:sp>
-    </p:spTree>
-    <p:extLst>
-      <p:ext uri="{BB962C8B-B14F-4D97-AF65-F5344CB8AC3E}">
-        <p14:creationId xmlns:p14="http://schemas.microsoft.com/office/powerpoint/2010/main" val="2246071851"/>
-      </p:ext>
-    </p:extLst>
-  </p:cSld>
-  <p:clrMapOvr>
-    <a:masterClrMapping/>
-  </p:clrMapOvr>
-</p:sld>
-</file>
-
-<file path=ppt/slides/slide18.xml><?xml version="1.0" encoding="utf-8"?>
-<p:sld xmlns:a="http://schemas.openxmlformats.org/drawingml/2006/main" xmlns:r="http://schemas.openxmlformats.org/officeDocument/2006/relationships" xmlns:p="http://schemas.openxmlformats.org/presentationml/2006/main">
-  <p:cSld>
-    <p:spTree>
-      <p:nvGrpSpPr>
-        <p:cNvPr id="1" name=""/>
-        <p:cNvGrpSpPr/>
-        <p:nvPr/>
-      </p:nvGrpSpPr>
-      <p:grpSpPr>
-        <a:xfrm>
-          <a:off x="0" y="0"/>
-          <a:ext cx="0" cy="0"/>
-          <a:chOff x="0" y="0"/>
-          <a:chExt cx="0" cy="0"/>
-        </a:xfrm>
-      </p:grpSpPr>
-      <p:sp>
-        <p:nvSpPr>
-          <p:cNvPr id="2" name="标题 1">
-            <a:extLst>
-              <a:ext uri="{FF2B5EF4-FFF2-40B4-BE49-F238E27FC236}">
-                <a16:creationId xmlns:a16="http://schemas.microsoft.com/office/drawing/2014/main" id="{2724F26D-CE0F-4BB5-9B86-A6A0EE703CD2}"/>
-              </a:ext>
-            </a:extLst>
-          </p:cNvPr>
-          <p:cNvSpPr>
-            <a:spLocks noGrp="1"/>
-          </p:cNvSpPr>
-          <p:nvPr>
-            <p:ph type="title"/>
-          </p:nvPr>
-        </p:nvSpPr>
-        <p:spPr/>
-        <p:txBody>
-          <a:bodyPr/>
-          <a:lstStyle/>
-          <a:p>
-            <a:endParaRPr lang="zh-CN" altLang="en-US"/>
-          </a:p>
-        </p:txBody>
-      </p:sp>
-      <p:sp>
-        <p:nvSpPr>
-          <p:cNvPr id="3" name="内容占位符 2">
-            <a:extLst>
-              <a:ext uri="{FF2B5EF4-FFF2-40B4-BE49-F238E27FC236}">
-                <a16:creationId xmlns:a16="http://schemas.microsoft.com/office/drawing/2014/main" id="{6BD12679-C4A1-4263-BC9B-5884B67DA722}"/>
-              </a:ext>
-            </a:extLst>
-          </p:cNvPr>
-          <p:cNvSpPr>
-            <a:spLocks noGrp="1"/>
-          </p:cNvSpPr>
-          <p:nvPr>
-            <p:ph idx="1"/>
-          </p:nvPr>
-        </p:nvSpPr>
-        <p:spPr/>
-        <p:txBody>
-          <a:bodyPr/>
-          <a:lstStyle/>
-          <a:p>
-            <a:endParaRPr lang="zh-CN" altLang="en-US"/>
-          </a:p>
-        </p:txBody>
-      </p:sp>
-    </p:spTree>
-    <p:extLst>
-      <p:ext uri="{BB962C8B-B14F-4D97-AF65-F5344CB8AC3E}">
-        <p14:creationId xmlns:p14="http://schemas.microsoft.com/office/powerpoint/2010/main" val="376344558"/>
-      </p:ext>
-    </p:extLst>
-  </p:cSld>
-  <p:clrMapOvr>
-    <a:masterClrMapping/>
-  </p:clrMapOvr>
-</p:sld>
-</file>
-
-<file path=ppt/slides/slide19.xml><?xml version="1.0" encoding="utf-8"?>
-<p:sld xmlns:a="http://schemas.openxmlformats.org/drawingml/2006/main" xmlns:r="http://schemas.openxmlformats.org/officeDocument/2006/relationships" xmlns:p="http://schemas.openxmlformats.org/presentationml/2006/main">
-  <p:cSld>
-    <p:spTree>
-      <p:nvGrpSpPr>
-        <p:cNvPr id="1" name=""/>
-        <p:cNvGrpSpPr/>
-        <p:nvPr/>
-      </p:nvGrpSpPr>
-      <p:grpSpPr>
-        <a:xfrm>
-          <a:off x="0" y="0"/>
-          <a:ext cx="0" cy="0"/>
-          <a:chOff x="0" y="0"/>
-          <a:chExt cx="0" cy="0"/>
-        </a:xfrm>
-      </p:grpSpPr>
-      <p:sp>
-        <p:nvSpPr>
-          <p:cNvPr id="2" name="标题 1">
-            <a:extLst>
-              <a:ext uri="{FF2B5EF4-FFF2-40B4-BE49-F238E27FC236}">
-                <a16:creationId xmlns:a16="http://schemas.microsoft.com/office/drawing/2014/main" id="{7FC4F5EE-CCD2-4321-89D9-F30631D424F9}"/>
-              </a:ext>
-            </a:extLst>
-          </p:cNvPr>
-          <p:cNvSpPr>
-            <a:spLocks noGrp="1"/>
-          </p:cNvSpPr>
-          <p:nvPr>
-            <p:ph type="title"/>
-          </p:nvPr>
-        </p:nvSpPr>
-        <p:spPr/>
-        <p:txBody>
-          <a:bodyPr/>
-          <a:lstStyle/>
-          <a:p>
-            <a:endParaRPr lang="zh-CN" altLang="en-US"/>
-          </a:p>
-        </p:txBody>
-      </p:sp>
-      <p:sp>
-        <p:nvSpPr>
-          <p:cNvPr id="3" name="内容占位符 2">
-            <a:extLst>
-              <a:ext uri="{FF2B5EF4-FFF2-40B4-BE49-F238E27FC236}">
-                <a16:creationId xmlns:a16="http://schemas.microsoft.com/office/drawing/2014/main" id="{C7D6E037-789E-496C-9A55-244DAA8E1338}"/>
-              </a:ext>
-            </a:extLst>
-          </p:cNvPr>
-          <p:cNvSpPr>
-            <a:spLocks noGrp="1"/>
-          </p:cNvSpPr>
-          <p:nvPr>
-            <p:ph idx="1"/>
-          </p:nvPr>
-        </p:nvSpPr>
-        <p:spPr/>
-        <p:txBody>
-          <a:bodyPr/>
-          <a:lstStyle/>
-          <a:p>
-            <a:endParaRPr lang="zh-CN" altLang="en-US"/>
-          </a:p>
-        </p:txBody>
-      </p:sp>
-    </p:spTree>
-    <p:extLst>
-      <p:ext uri="{BB962C8B-B14F-4D97-AF65-F5344CB8AC3E}">
-        <p14:creationId xmlns:p14="http://schemas.microsoft.com/office/powerpoint/2010/main" val="2748601444"/>
-      </p:ext>
-    </p:extLst>
-  </p:cSld>
-  <p:clrMapOvr>
-    <a:masterClrMapping/>
-  </p:clrMapOvr>
-</p:sld>
-</file>
-
-<file path=ppt/slides/slide2.xml><?xml version="1.0" encoding="utf-8"?>
-<p:sld xmlns:a="http://schemas.openxmlformats.org/drawingml/2006/main" xmlns:r="http://schemas.openxmlformats.org/officeDocument/2006/relationships" xmlns:p="http://schemas.openxmlformats.org/presentationml/2006/main">
-  <p:cSld>
-    <p:spTree>
-      <p:nvGrpSpPr>
-        <p:cNvPr id="1" name=""/>
-        <p:cNvGrpSpPr/>
-        <p:nvPr/>
-      </p:nvGrpSpPr>
-      <p:grpSpPr>
-        <a:xfrm>
-          <a:off x="0" y="0"/>
-          <a:ext cx="0" cy="0"/>
-          <a:chOff x="0" y="0"/>
-          <a:chExt cx="0" cy="0"/>
-        </a:xfrm>
-      </p:grpSpPr>
-      <p:sp>
-        <p:nvSpPr>
-          <p:cNvPr id="2" name="标题 1">
-            <a:extLst>
-              <a:ext uri="{FF2B5EF4-FFF2-40B4-BE49-F238E27FC236}">
-                <a16:creationId xmlns:a16="http://schemas.microsoft.com/office/drawing/2014/main" id="{11EA01E2-A62F-4CEC-BFAE-F525E395B634}"/>
-              </a:ext>
-            </a:extLst>
-          </p:cNvPr>
-          <p:cNvSpPr>
-            <a:spLocks noGrp="1"/>
-          </p:cNvSpPr>
-          <p:nvPr>
-            <p:ph type="title"/>
-          </p:nvPr>
-        </p:nvSpPr>
-        <p:spPr/>
-        <p:txBody>
-          <a:bodyPr/>
-          <a:lstStyle/>
-          <a:p>
-            <a:r>
-              <a:rPr lang="zh-CN" altLang="en-US" dirty="0"/>
-              <a:t>目录</a:t>
-            </a:r>
-          </a:p>
-        </p:txBody>
-      </p:sp>
-      <p:sp>
-        <p:nvSpPr>
-          <p:cNvPr id="3" name="内容占位符 2">
-            <a:extLst>
-              <a:ext uri="{FF2B5EF4-FFF2-40B4-BE49-F238E27FC236}">
-                <a16:creationId xmlns:a16="http://schemas.microsoft.com/office/drawing/2014/main" id="{623DDCA6-4BE8-47E7-99A1-71113D143053}"/>
-              </a:ext>
-            </a:extLst>
-          </p:cNvPr>
-          <p:cNvSpPr>
-            <a:spLocks noGrp="1"/>
-          </p:cNvSpPr>
-          <p:nvPr>
-            <p:ph idx="1"/>
-          </p:nvPr>
-        </p:nvSpPr>
-        <p:spPr/>
-        <p:txBody>
-          <a:bodyPr/>
-          <a:lstStyle/>
-          <a:p>
-            <a:r>
-              <a:rPr lang="en-US" altLang="zh-CN" dirty="0"/>
-              <a:t>1.</a:t>
-            </a:r>
-            <a:r>
-              <a:rPr lang="zh-CN" altLang="en-US" dirty="0"/>
-              <a:t>项目概述与人员</a:t>
-            </a:r>
-            <a:endParaRPr lang="en-US" altLang="zh-CN" dirty="0"/>
-          </a:p>
-          <a:p>
-            <a:r>
-              <a:rPr lang="en-US" altLang="zh-CN" dirty="0"/>
-              <a:t>2.</a:t>
-            </a:r>
-            <a:r>
-              <a:rPr lang="zh-CN" altLang="en-US" dirty="0"/>
-              <a:t>需求概述</a:t>
-            </a:r>
-            <a:endParaRPr lang="en-US" altLang="zh-CN" dirty="0"/>
-          </a:p>
-          <a:p>
-            <a:r>
-              <a:rPr lang="en-US" altLang="zh-CN" dirty="0"/>
-              <a:t>3.</a:t>
-            </a:r>
-            <a:r>
-              <a:rPr lang="zh-CN" altLang="en-US" dirty="0"/>
-              <a:t>总体设计</a:t>
-            </a:r>
-            <a:endParaRPr lang="en-US" altLang="zh-CN" dirty="0"/>
-          </a:p>
-          <a:p>
-            <a:r>
-              <a:rPr lang="en-US" altLang="zh-CN" dirty="0"/>
-              <a:t>4.</a:t>
-            </a:r>
-            <a:r>
-              <a:rPr lang="zh-CN" altLang="en-US" dirty="0"/>
-              <a:t>设计细节</a:t>
-            </a:r>
-            <a:endParaRPr lang="en-US" altLang="zh-CN" dirty="0"/>
-          </a:p>
-          <a:p>
-            <a:r>
-              <a:rPr lang="en-US" altLang="zh-CN" dirty="0"/>
-              <a:t>5.</a:t>
-            </a:r>
-            <a:r>
-              <a:rPr lang="zh-CN" altLang="en-US" dirty="0"/>
-              <a:t>思考与反思</a:t>
-            </a:r>
-            <a:endParaRPr lang="en-US" altLang="zh-CN" dirty="0"/>
-          </a:p>
-          <a:p>
-            <a:r>
-              <a:rPr lang="en-US" altLang="zh-CN" dirty="0"/>
-              <a:t>6.</a:t>
-            </a:r>
-            <a:r>
-              <a:rPr lang="zh-CN" altLang="en-US" dirty="0"/>
-              <a:t>他评</a:t>
-            </a:r>
-            <a:endParaRPr lang="en-US" altLang="zh-CN" dirty="0"/>
-          </a:p>
-        </p:txBody>
-      </p:sp>
-    </p:spTree>
-    <p:extLst>
-      <p:ext uri="{BB962C8B-B14F-4D97-AF65-F5344CB8AC3E}">
-        <p14:creationId xmlns:p14="http://schemas.microsoft.com/office/powerpoint/2010/main" val="3736640368"/>
-      </p:ext>
-    </p:extLst>
-  </p:cSld>
-  <p:clrMapOvr>
-    <a:masterClrMapping/>
-  </p:clrMapOvr>
-</p:sld>
-</file>
-
-<file path=ppt/slides/slide20.xml><?xml version="1.0" encoding="utf-8"?>
-<p:sld xmlns:a="http://schemas.openxmlformats.org/drawingml/2006/main" xmlns:r="http://schemas.openxmlformats.org/officeDocument/2006/relationships" xmlns:p="http://schemas.openxmlformats.org/presentationml/2006/main">
-  <p:cSld>
-    <p:spTree>
-      <p:nvGrpSpPr>
-        <p:cNvPr id="1" name=""/>
-        <p:cNvGrpSpPr/>
-        <p:nvPr/>
-      </p:nvGrpSpPr>
-      <p:grpSpPr>
-        <a:xfrm>
-          <a:off x="0" y="0"/>
-          <a:ext cx="0" cy="0"/>
-          <a:chOff x="0" y="0"/>
-          <a:chExt cx="0" cy="0"/>
-        </a:xfrm>
-      </p:grpSpPr>
-      <p:sp>
-        <p:nvSpPr>
-          <p:cNvPr id="2" name="标题 1">
-            <a:extLst>
-              <a:ext uri="{FF2B5EF4-FFF2-40B4-BE49-F238E27FC236}">
-                <a16:creationId xmlns:a16="http://schemas.microsoft.com/office/drawing/2014/main" id="{2724F26D-CE0F-4BB5-9B86-A6A0EE703CD2}"/>
-              </a:ext>
-            </a:extLst>
-          </p:cNvPr>
-          <p:cNvSpPr>
-            <a:spLocks noGrp="1"/>
-          </p:cNvSpPr>
-          <p:nvPr>
-            <p:ph type="title"/>
-          </p:nvPr>
-        </p:nvSpPr>
-        <p:spPr/>
-        <p:txBody>
-          <a:bodyPr/>
-          <a:lstStyle/>
-          <a:p>
-            <a:endParaRPr lang="zh-CN" altLang="en-US"/>
-          </a:p>
-        </p:txBody>
-      </p:sp>
-      <p:sp>
-        <p:nvSpPr>
-          <p:cNvPr id="3" name="内容占位符 2">
-            <a:extLst>
-              <a:ext uri="{FF2B5EF4-FFF2-40B4-BE49-F238E27FC236}">
-                <a16:creationId xmlns:a16="http://schemas.microsoft.com/office/drawing/2014/main" id="{6BD12679-C4A1-4263-BC9B-5884B67DA722}"/>
-              </a:ext>
-            </a:extLst>
-          </p:cNvPr>
-          <p:cNvSpPr>
-            <a:spLocks noGrp="1"/>
-          </p:cNvSpPr>
-          <p:nvPr>
-            <p:ph idx="1"/>
-          </p:nvPr>
-        </p:nvSpPr>
-        <p:spPr/>
-        <p:txBody>
-          <a:bodyPr/>
-          <a:lstStyle/>
-          <a:p>
-            <a:endParaRPr lang="zh-CN" altLang="en-US"/>
-          </a:p>
-        </p:txBody>
-      </p:sp>
-    </p:spTree>
-    <p:extLst>
-      <p:ext uri="{BB962C8B-B14F-4D97-AF65-F5344CB8AC3E}">
-        <p14:creationId xmlns:p14="http://schemas.microsoft.com/office/powerpoint/2010/main" val="2613440783"/>
-      </p:ext>
-    </p:extLst>
-  </p:cSld>
-  <p:clrMapOvr>
-    <a:masterClrMapping/>
-  </p:clrMapOvr>
-</p:sld>
-</file>
-
 <file path=ppt/slides/slide21.xml><?xml version="1.0" encoding="utf-8"?>
 <p:sld xmlns:a="http://schemas.openxmlformats.org/drawingml/2006/main" xmlns:r="http://schemas.openxmlformats.org/officeDocument/2006/relationships" xmlns:p="http://schemas.openxmlformats.org/presentationml/2006/main">
   <p:cSld>
@@ -6244,7 +8332,7 @@
           <p:cNvPr id="2" name="标题 1">
             <a:extLst>
               <a:ext uri="{FF2B5EF4-FFF2-40B4-BE49-F238E27FC236}">
-                <a16:creationId xmlns:a16="http://schemas.microsoft.com/office/drawing/2014/main" id="{7FC4F5EE-CCD2-4321-89D9-F30631D424F9}"/>
+                <a16:creationId xmlns:a16="http://schemas.microsoft.com/office/drawing/2014/main" id="{2724F26D-CE0F-4BB5-9B86-A6A0EE703CD2}"/>
               </a:ext>
             </a:extLst>
           </p:cNvPr>
@@ -6257,10 +8345,20 @@
         </p:nvSpPr>
         <p:spPr/>
         <p:txBody>
-          <a:bodyPr/>
+          <a:bodyPr>
+            <a:normAutofit/>
+          </a:bodyPr>
           <a:lstStyle/>
           <a:p>
-            <a:endParaRPr lang="zh-CN" altLang="en-US"/>
+            <a:r>
+              <a:rPr lang="zh-CN" altLang="en-US" dirty="0"/>
+              <a:t>细节四：采用过滤器类实现</a:t>
+            </a:r>
+            <a:r>
+              <a:rPr lang="zh-CN" altLang="zh-CN" dirty="0"/>
+              <a:t>智能推荐</a:t>
+            </a:r>
+            <a:endParaRPr lang="zh-CN" altLang="en-US" dirty="0"/>
           </a:p>
         </p:txBody>
       </p:sp>
@@ -6269,7 +8367,7 @@
           <p:cNvPr id="3" name="内容占位符 2">
             <a:extLst>
               <a:ext uri="{FF2B5EF4-FFF2-40B4-BE49-F238E27FC236}">
-                <a16:creationId xmlns:a16="http://schemas.microsoft.com/office/drawing/2014/main" id="{C7D6E037-789E-496C-9A55-244DAA8E1338}"/>
+                <a16:creationId xmlns:a16="http://schemas.microsoft.com/office/drawing/2014/main" id="{6BD12679-C4A1-4263-BC9B-5884B67DA722}"/>
               </a:ext>
             </a:extLst>
           </p:cNvPr>
@@ -6285,14 +8383,62 @@
           <a:bodyPr/>
           <a:lstStyle/>
           <a:p>
-            <a:endParaRPr lang="zh-CN" altLang="en-US"/>
-          </a:p>
-        </p:txBody>
-      </p:sp>
+            <a:r>
+              <a:rPr lang="zh-CN" altLang="en-US" dirty="0"/>
+              <a:t>场景：领取任务时需要根据相关性进行智能推荐</a:t>
+            </a:r>
+            <a:endParaRPr lang="en-US" altLang="zh-CN" dirty="0"/>
+          </a:p>
+          <a:p>
+            <a:r>
+              <a:rPr lang="zh-CN" altLang="en-US" dirty="0"/>
+              <a:t>设计细节：对任务添加多个属性描述其特性</a:t>
+            </a:r>
+            <a:r>
+              <a:rPr lang="en-US" altLang="zh-CN" dirty="0"/>
+              <a:t>.</a:t>
+            </a:r>
+            <a:r>
+              <a:rPr lang="zh-CN" altLang="en-US" dirty="0"/>
+              <a:t>建立过滤器类，利用策略模式实现。封装匹配规则，使用策略模式。增加新的匹配策略不必修改以前的代码，具有更的灵活性和可扩展性</a:t>
+            </a:r>
+          </a:p>
+        </p:txBody>
+      </p:sp>
+      <p:pic>
+        <p:nvPicPr>
+          <p:cNvPr id="6" name="图片 5">
+            <a:extLst>
+              <a:ext uri="{FF2B5EF4-FFF2-40B4-BE49-F238E27FC236}">
+                <a16:creationId xmlns:a16="http://schemas.microsoft.com/office/drawing/2014/main" id="{247DC340-7218-4BFD-8C19-4695F5FE759E}"/>
+              </a:ext>
+            </a:extLst>
+          </p:cNvPr>
+          <p:cNvPicPr>
+            <a:picLocks noChangeAspect="1"/>
+          </p:cNvPicPr>
+          <p:nvPr/>
+        </p:nvPicPr>
+        <p:blipFill>
+          <a:blip r:embed="rId2"/>
+          <a:stretch>
+            <a:fillRect/>
+          </a:stretch>
+        </p:blipFill>
+        <p:spPr>
+          <a:xfrm>
+            <a:off x="1725416" y="3429000"/>
+            <a:ext cx="8093082" cy="2588741"/>
+          </a:xfrm>
+          <a:prstGeom prst="rect">
+            <a:avLst/>
+          </a:prstGeom>
+        </p:spPr>
+      </p:pic>
     </p:spTree>
     <p:extLst>
       <p:ext uri="{BB962C8B-B14F-4D97-AF65-F5344CB8AC3E}">
-        <p14:creationId xmlns:p14="http://schemas.microsoft.com/office/powerpoint/2010/main" val="3624870875"/>
+        <p14:creationId xmlns:p14="http://schemas.microsoft.com/office/powerpoint/2010/main" val="1683244642"/>
       </p:ext>
     </p:extLst>
   </p:cSld>
@@ -6337,10 +8483,23 @@
         </p:nvSpPr>
         <p:spPr/>
         <p:txBody>
-          <a:bodyPr/>
+          <a:bodyPr>
+            <a:normAutofit/>
+          </a:bodyPr>
           <a:lstStyle/>
           <a:p>
-            <a:endParaRPr lang="zh-CN" altLang="en-US"/>
+            <a:r>
+              <a:rPr lang="zh-CN" altLang="en-US" dirty="0"/>
+              <a:t>细节五：通过</a:t>
+            </a:r>
+            <a:r>
+              <a:rPr lang="en-US" altLang="zh-CN" dirty="0" err="1"/>
+              <a:t>ip</a:t>
+            </a:r>
+            <a:r>
+              <a:rPr lang="zh-CN" altLang="en-US" dirty="0"/>
+              <a:t>检测避免批量刷单或其他攻击行为</a:t>
+            </a:r>
           </a:p>
         </p:txBody>
       </p:sp>
@@ -6365,94 +8524,87 @@
           <a:bodyPr/>
           <a:lstStyle/>
           <a:p>
-            <a:endParaRPr lang="zh-CN" altLang="en-US"/>
-          </a:p>
-        </p:txBody>
-      </p:sp>
+            <a:r>
+              <a:rPr lang="zh-CN" altLang="en-US" dirty="0"/>
+              <a:t>场景：	实现短时间内频繁访问的</a:t>
+            </a:r>
+            <a:r>
+              <a:rPr lang="en-US" altLang="zh-CN" dirty="0"/>
+              <a:t>IP</a:t>
+            </a:r>
+            <a:r>
+              <a:rPr lang="zh-CN" altLang="en-US" dirty="0"/>
+              <a:t>（即插件扫描攻击）并屏蔽</a:t>
+            </a:r>
+            <a:endParaRPr lang="en-US" altLang="zh-CN" dirty="0"/>
+          </a:p>
+          <a:p>
+            <a:r>
+              <a:rPr lang="zh-CN" altLang="en-US" dirty="0"/>
+              <a:t>设计细节：</a:t>
+            </a:r>
+            <a:r>
+              <a:rPr lang="zh-CN" altLang="zh-CN" kern="0" dirty="0"/>
+              <a:t>实现一个联系人列表，用于侦测异常后通知</a:t>
+            </a:r>
+            <a:r>
+              <a:rPr lang="zh-CN" altLang="en-US" kern="0" dirty="0"/>
+              <a:t>。同时</a:t>
+            </a:r>
+            <a:r>
+              <a:rPr lang="zh-CN" altLang="zh-CN" kern="0" dirty="0"/>
+              <a:t>实现一个防火墙模块，对于攻击过滤和防御</a:t>
+            </a:r>
+            <a:endParaRPr lang="zh-CN" altLang="zh-CN" kern="100" dirty="0">
+              <a:latin typeface="等线" panose="02010600030101010101" pitchFamily="2" charset="-122"/>
+              <a:ea typeface="等线" panose="02010600030101010101" pitchFamily="2" charset="-122"/>
+              <a:cs typeface="Times New Roman" panose="02020603050405020304" pitchFamily="18" charset="0"/>
+            </a:endParaRPr>
+          </a:p>
+          <a:p>
+            <a:endParaRPr lang="zh-CN" altLang="zh-CN" sz="2800" kern="100" dirty="0">
+              <a:latin typeface="等线" panose="02010600030101010101" pitchFamily="2" charset="-122"/>
+              <a:ea typeface="等线" panose="02010600030101010101" pitchFamily="2" charset="-122"/>
+              <a:cs typeface="Times New Roman" panose="02020603050405020304" pitchFamily="18" charset="0"/>
+            </a:endParaRPr>
+          </a:p>
+          <a:p>
+            <a:endParaRPr lang="zh-CN" altLang="en-US" dirty="0"/>
+          </a:p>
+        </p:txBody>
+      </p:sp>
+      <p:pic>
+        <p:nvPicPr>
+          <p:cNvPr id="7" name="图片 6">
+            <a:extLst>
+              <a:ext uri="{FF2B5EF4-FFF2-40B4-BE49-F238E27FC236}">
+                <a16:creationId xmlns:a16="http://schemas.microsoft.com/office/drawing/2014/main" id="{59C6AB19-B583-4C36-B9CD-9096E53C88CE}"/>
+              </a:ext>
+            </a:extLst>
+          </p:cNvPr>
+          <p:cNvPicPr/>
+          <p:nvPr/>
+        </p:nvPicPr>
+        <p:blipFill>
+          <a:blip r:embed="rId2"/>
+          <a:stretch>
+            <a:fillRect/>
+          </a:stretch>
+        </p:blipFill>
+        <p:spPr>
+          <a:xfrm>
+            <a:off x="901685" y="3050540"/>
+            <a:ext cx="9649874" cy="2686026"/>
+          </a:xfrm>
+          <a:prstGeom prst="rect">
+            <a:avLst/>
+          </a:prstGeom>
+        </p:spPr>
+      </p:pic>
     </p:spTree>
     <p:extLst>
       <p:ext uri="{BB962C8B-B14F-4D97-AF65-F5344CB8AC3E}">
-        <p14:creationId xmlns:p14="http://schemas.microsoft.com/office/powerpoint/2010/main" val="1913797542"/>
-      </p:ext>
-    </p:extLst>
-  </p:cSld>
-  <p:clrMapOvr>
-    <a:masterClrMapping/>
-  </p:clrMapOvr>
-</p:sld>
-</file>
-
-<file path=ppt/slides/slide23.xml><?xml version="1.0" encoding="utf-8"?>
-<p:sld xmlns:a="http://schemas.openxmlformats.org/drawingml/2006/main" xmlns:r="http://schemas.openxmlformats.org/officeDocument/2006/relationships" xmlns:p="http://schemas.openxmlformats.org/presentationml/2006/main">
-  <p:cSld>
-    <p:spTree>
-      <p:nvGrpSpPr>
-        <p:cNvPr id="1" name=""/>
-        <p:cNvGrpSpPr/>
-        <p:nvPr/>
-      </p:nvGrpSpPr>
-      <p:grpSpPr>
-        <a:xfrm>
-          <a:off x="0" y="0"/>
-          <a:ext cx="0" cy="0"/>
-          <a:chOff x="0" y="0"/>
-          <a:chExt cx="0" cy="0"/>
-        </a:xfrm>
-      </p:grpSpPr>
-      <p:sp>
-        <p:nvSpPr>
-          <p:cNvPr id="2" name="标题 1">
-            <a:extLst>
-              <a:ext uri="{FF2B5EF4-FFF2-40B4-BE49-F238E27FC236}">
-                <a16:creationId xmlns:a16="http://schemas.microsoft.com/office/drawing/2014/main" id="{7FC4F5EE-CCD2-4321-89D9-F30631D424F9}"/>
-              </a:ext>
-            </a:extLst>
-          </p:cNvPr>
-          <p:cNvSpPr>
-            <a:spLocks noGrp="1"/>
-          </p:cNvSpPr>
-          <p:nvPr>
-            <p:ph type="title"/>
-          </p:nvPr>
-        </p:nvSpPr>
-        <p:spPr/>
-        <p:txBody>
-          <a:bodyPr/>
-          <a:lstStyle/>
-          <a:p>
-            <a:endParaRPr lang="zh-CN" altLang="en-US"/>
-          </a:p>
-        </p:txBody>
-      </p:sp>
-      <p:sp>
-        <p:nvSpPr>
-          <p:cNvPr id="3" name="内容占位符 2">
-            <a:extLst>
-              <a:ext uri="{FF2B5EF4-FFF2-40B4-BE49-F238E27FC236}">
-                <a16:creationId xmlns:a16="http://schemas.microsoft.com/office/drawing/2014/main" id="{C7D6E037-789E-496C-9A55-244DAA8E1338}"/>
-              </a:ext>
-            </a:extLst>
-          </p:cNvPr>
-          <p:cNvSpPr>
-            <a:spLocks noGrp="1"/>
-          </p:cNvSpPr>
-          <p:nvPr>
-            <p:ph idx="1"/>
-          </p:nvPr>
-        </p:nvSpPr>
-        <p:spPr/>
-        <p:txBody>
-          <a:bodyPr/>
-          <a:lstStyle/>
-          <a:p>
-            <a:endParaRPr lang="zh-CN" altLang="en-US"/>
-          </a:p>
-        </p:txBody>
-      </p:sp>
-    </p:spTree>
-    <p:extLst>
-      <p:ext uri="{BB962C8B-B14F-4D97-AF65-F5344CB8AC3E}">
-        <p14:creationId xmlns:p14="http://schemas.microsoft.com/office/powerpoint/2010/main" val="1905733652"/>
+        <p14:creationId xmlns:p14="http://schemas.microsoft.com/office/powerpoint/2010/main" val="1701992106"/>
       </p:ext>
     </p:extLst>
   </p:cSld>
@@ -6782,7 +8934,7 @@
             </a:r>
             <a:r>
               <a:rPr lang="zh-CN" altLang="en-US" dirty="0"/>
-              <a:t>需求概述</a:t>
+              <a:t>需求</a:t>
             </a:r>
           </a:p>
         </p:txBody>
@@ -7724,7 +9876,7 @@
             </a:r>
             <a:r>
               <a:rPr lang="zh-CN" altLang="en-US" dirty="0"/>
-              <a:t>总体设计</a:t>
+              <a:t>两种架构的比较与选择</a:t>
             </a:r>
             <a:endParaRPr lang="en-US" altLang="zh-CN" dirty="0"/>
           </a:p>

--- a/同城互助系统 - 体系结构设计.pptx
+++ b/同城互助系统 - 体系结构设计.pptx
@@ -27,11 +27,13 @@
     <p:sldId id="278" r:id="rId21"/>
     <p:sldId id="283" r:id="rId22"/>
     <p:sldId id="284" r:id="rId23"/>
+    <p:sldId id="285" r:id="rId24"/>
+    <p:sldId id="286" r:id="rId25"/>
   </p:sldIdLst>
   <p:sldSz cx="12192000" cy="6858000"/>
   <p:notesSz cx="6858000" cy="9144000"/>
   <p:custDataLst>
-    <p:tags r:id="rId24"/>
+    <p:tags r:id="rId26"/>
   </p:custDataLst>
   <p:defaultTextStyle>
     <a:defPPr>
@@ -224,7 +226,7 @@
           <a:p>
             <a:fld id="{EB972E49-C203-42EB-B76E-1280A3DA9DB0}" type="datetimeFigureOut">
               <a:rPr lang="zh-CN" altLang="en-US" smtClean="0"/>
-              <a:t>2019/3/26</a:t>
+              <a:t>2019/3/27</a:t>
             </a:fld>
             <a:endParaRPr lang="zh-CN" altLang="en-US"/>
           </a:p>
@@ -1270,7 +1272,7 @@
           <a:p>
             <a:fld id="{EB972E49-C203-42EB-B76E-1280A3DA9DB0}" type="datetimeFigureOut">
               <a:rPr lang="zh-CN" altLang="en-US" smtClean="0"/>
-              <a:t>2019/3/26</a:t>
+              <a:t>2019/3/27</a:t>
             </a:fld>
             <a:endParaRPr lang="zh-CN" altLang="en-US"/>
           </a:p>
@@ -1428,7 +1430,7 @@
           <a:p>
             <a:fld id="{EB972E49-C203-42EB-B76E-1280A3DA9DB0}" type="datetimeFigureOut">
               <a:rPr lang="zh-CN" altLang="en-US" smtClean="0"/>
-              <a:t>2019/3/26</a:t>
+              <a:t>2019/3/27</a:t>
             </a:fld>
             <a:endParaRPr lang="zh-CN" altLang="en-US"/>
           </a:p>
@@ -1595,7 +1597,7 @@
           <a:p>
             <a:fld id="{EB972E49-C203-42EB-B76E-1280A3DA9DB0}" type="datetimeFigureOut">
               <a:rPr lang="zh-CN" altLang="en-US" smtClean="0"/>
-              <a:t>2019/3/26</a:t>
+              <a:t>2019/3/27</a:t>
             </a:fld>
             <a:endParaRPr lang="zh-CN" altLang="en-US"/>
           </a:p>
@@ -1854,7 +1856,7 @@
           <a:p>
             <a:fld id="{EB972E49-C203-42EB-B76E-1280A3DA9DB0}" type="datetimeFigureOut">
               <a:rPr lang="zh-CN" altLang="en-US" smtClean="0"/>
-              <a:t>2019/3/26</a:t>
+              <a:t>2019/3/27</a:t>
             </a:fld>
             <a:endParaRPr lang="zh-CN" altLang="en-US"/>
           </a:p>
@@ -2047,7 +2049,7 @@
           <a:p>
             <a:fld id="{EB972E49-C203-42EB-B76E-1280A3DA9DB0}" type="datetimeFigureOut">
               <a:rPr lang="zh-CN" altLang="en-US" smtClean="0"/>
-              <a:t>2019/3/26</a:t>
+              <a:t>2019/3/27</a:t>
             </a:fld>
             <a:endParaRPr lang="zh-CN" altLang="en-US"/>
           </a:p>
@@ -2374,7 +2376,7 @@
           <a:p>
             <a:fld id="{EB972E49-C203-42EB-B76E-1280A3DA9DB0}" type="datetimeFigureOut">
               <a:rPr lang="zh-CN" altLang="en-US" smtClean="0"/>
-              <a:t>2019/3/26</a:t>
+              <a:t>2019/3/27</a:t>
             </a:fld>
             <a:endParaRPr lang="zh-CN" altLang="en-US"/>
           </a:p>
@@ -2492,7 +2494,7 @@
           <a:p>
             <a:fld id="{EB972E49-C203-42EB-B76E-1280A3DA9DB0}" type="datetimeFigureOut">
               <a:rPr lang="zh-CN" altLang="en-US" smtClean="0"/>
-              <a:t>2019/3/26</a:t>
+              <a:t>2019/3/27</a:t>
             </a:fld>
             <a:endParaRPr lang="zh-CN" altLang="en-US"/>
           </a:p>
@@ -2633,7 +2635,7 @@
           <a:p>
             <a:fld id="{EB972E49-C203-42EB-B76E-1280A3DA9DB0}" type="datetimeFigureOut">
               <a:rPr lang="zh-CN" altLang="en-US" smtClean="0"/>
-              <a:t>2019/3/26</a:t>
+              <a:t>2019/3/27</a:t>
             </a:fld>
             <a:endParaRPr lang="zh-CN" altLang="en-US"/>
           </a:p>
@@ -2890,7 +2892,7 @@
           <a:p>
             <a:fld id="{EB972E49-C203-42EB-B76E-1280A3DA9DB0}" type="datetimeFigureOut">
               <a:rPr lang="zh-CN" altLang="en-US" smtClean="0"/>
-              <a:t>2019/3/26</a:t>
+              <a:t>2019/3/27</a:t>
             </a:fld>
             <a:endParaRPr lang="zh-CN" altLang="en-US"/>
           </a:p>
@@ -3147,7 +3149,7 @@
           <a:p>
             <a:fld id="{EB972E49-C203-42EB-B76E-1280A3DA9DB0}" type="datetimeFigureOut">
               <a:rPr lang="zh-CN" altLang="en-US" smtClean="0"/>
-              <a:t>2019/3/26</a:t>
+              <a:t>2019/3/27</a:t>
             </a:fld>
             <a:endParaRPr lang="zh-CN" altLang="en-US"/>
           </a:p>
@@ -3579,7 +3581,7 @@
           <a:p>
             <a:fld id="{EB972E49-C203-42EB-B76E-1280A3DA9DB0}" type="datetimeFigureOut">
               <a:rPr lang="zh-CN" altLang="en-US" smtClean="0"/>
-              <a:t>2019/3/26</a:t>
+              <a:t>2019/3/27</a:t>
             </a:fld>
             <a:endParaRPr lang="zh-CN" altLang="en-US"/>
           </a:p>
@@ -7394,7 +7396,7 @@
             </a:r>
             <a:r>
               <a:rPr lang="zh-CN" altLang="en-US" dirty="0"/>
-              <a:t>迭代一模块划分</a:t>
+              <a:t>迭代一：模块划分</a:t>
             </a:r>
           </a:p>
         </p:txBody>
@@ -7419,8 +7421,8 @@
         </p:blipFill>
         <p:spPr>
           <a:xfrm>
-            <a:off x="1630998" y="1263478"/>
-            <a:ext cx="8817820" cy="5311982"/>
+            <a:off x="1680518" y="1692876"/>
+            <a:ext cx="8768299" cy="4882584"/>
           </a:xfrm>
           <a:prstGeom prst="rect">
             <a:avLst/>
@@ -8614,6 +8616,189 @@
 </p:sld>
 </file>
 
+<file path=ppt/slides/slide23.xml><?xml version="1.0" encoding="utf-8"?>
+<p:sld xmlns:a="http://schemas.openxmlformats.org/drawingml/2006/main" xmlns:r="http://schemas.openxmlformats.org/officeDocument/2006/relationships" xmlns:p="http://schemas.openxmlformats.org/presentationml/2006/main">
+  <p:cSld>
+    <p:spTree>
+      <p:nvGrpSpPr>
+        <p:cNvPr id="1" name=""/>
+        <p:cNvGrpSpPr/>
+        <p:nvPr/>
+      </p:nvGrpSpPr>
+      <p:grpSpPr>
+        <a:xfrm>
+          <a:off x="0" y="0"/>
+          <a:ext cx="0" cy="0"/>
+          <a:chOff x="0" y="0"/>
+          <a:chExt cx="0" cy="0"/>
+        </a:xfrm>
+      </p:grpSpPr>
+      <p:sp>
+        <p:nvSpPr>
+          <p:cNvPr id="2" name="标题 1">
+            <a:extLst>
+              <a:ext uri="{FF2B5EF4-FFF2-40B4-BE49-F238E27FC236}">
+                <a16:creationId xmlns:a16="http://schemas.microsoft.com/office/drawing/2014/main" id="{2724F26D-CE0F-4BB5-9B86-A6A0EE703CD2}"/>
+              </a:ext>
+            </a:extLst>
+          </p:cNvPr>
+          <p:cNvSpPr>
+            <a:spLocks noGrp="1"/>
+          </p:cNvSpPr>
+          <p:nvPr>
+            <p:ph type="title"/>
+          </p:nvPr>
+        </p:nvSpPr>
+        <p:spPr>
+          <a:xfrm>
+            <a:off x="512617" y="2787158"/>
+            <a:ext cx="10820403" cy="641842"/>
+          </a:xfrm>
+        </p:spPr>
+        <p:txBody>
+          <a:bodyPr/>
+          <a:lstStyle/>
+          <a:p>
+            <a:pPr algn="ctr"/>
+            <a:r>
+              <a:rPr lang="en-US" altLang="zh-CN" dirty="0"/>
+              <a:t>5.</a:t>
+            </a:r>
+            <a:r>
+              <a:rPr lang="zh-CN" altLang="en-US" dirty="0"/>
+              <a:t> 项目总结与思考</a:t>
+            </a:r>
+            <a:endParaRPr lang="en-US" altLang="zh-CN" dirty="0"/>
+          </a:p>
+        </p:txBody>
+      </p:sp>
+    </p:spTree>
+    <p:extLst>
+      <p:ext uri="{BB962C8B-B14F-4D97-AF65-F5344CB8AC3E}">
+        <p14:creationId xmlns:p14="http://schemas.microsoft.com/office/powerpoint/2010/main" val="696901429"/>
+      </p:ext>
+    </p:extLst>
+  </p:cSld>
+  <p:clrMapOvr>
+    <a:masterClrMapping/>
+  </p:clrMapOvr>
+</p:sld>
+</file>
+
+<file path=ppt/slides/slide24.xml><?xml version="1.0" encoding="utf-8"?>
+<p:sld xmlns:a="http://schemas.openxmlformats.org/drawingml/2006/main" xmlns:r="http://schemas.openxmlformats.org/officeDocument/2006/relationships" xmlns:p="http://schemas.openxmlformats.org/presentationml/2006/main">
+  <p:cSld>
+    <p:spTree>
+      <p:nvGrpSpPr>
+        <p:cNvPr id="1" name=""/>
+        <p:cNvGrpSpPr/>
+        <p:nvPr/>
+      </p:nvGrpSpPr>
+      <p:grpSpPr>
+        <a:xfrm>
+          <a:off x="0" y="0"/>
+          <a:ext cx="0" cy="0"/>
+          <a:chOff x="0" y="0"/>
+          <a:chExt cx="0" cy="0"/>
+        </a:xfrm>
+      </p:grpSpPr>
+      <p:sp>
+        <p:nvSpPr>
+          <p:cNvPr id="2" name="标题 1">
+            <a:extLst>
+              <a:ext uri="{FF2B5EF4-FFF2-40B4-BE49-F238E27FC236}">
+                <a16:creationId xmlns:a16="http://schemas.microsoft.com/office/drawing/2014/main" id="{C92B97A1-D90D-4B00-881F-BF8E797F5CB7}"/>
+              </a:ext>
+            </a:extLst>
+          </p:cNvPr>
+          <p:cNvSpPr>
+            <a:spLocks noGrp="1"/>
+          </p:cNvSpPr>
+          <p:nvPr>
+            <p:ph type="title"/>
+          </p:nvPr>
+        </p:nvSpPr>
+        <p:spPr/>
+        <p:txBody>
+          <a:bodyPr/>
+          <a:lstStyle/>
+          <a:p>
+            <a:r>
+              <a:rPr lang="zh-CN" altLang="en-US" dirty="0"/>
+              <a:t>反思</a:t>
+            </a:r>
+          </a:p>
+        </p:txBody>
+      </p:sp>
+      <p:sp>
+        <p:nvSpPr>
+          <p:cNvPr id="3" name="内容占位符 2">
+            <a:extLst>
+              <a:ext uri="{FF2B5EF4-FFF2-40B4-BE49-F238E27FC236}">
+                <a16:creationId xmlns:a16="http://schemas.microsoft.com/office/drawing/2014/main" id="{A99ED8C8-61E2-4B3C-98A4-0CB8D50E4B2C}"/>
+              </a:ext>
+            </a:extLst>
+          </p:cNvPr>
+          <p:cNvSpPr>
+            <a:spLocks noGrp="1"/>
+          </p:cNvSpPr>
+          <p:nvPr>
+            <p:ph idx="1"/>
+          </p:nvPr>
+        </p:nvSpPr>
+        <p:spPr/>
+        <p:txBody>
+          <a:bodyPr/>
+          <a:lstStyle/>
+          <a:p>
+            <a:r>
+              <a:rPr lang="en-US" altLang="zh-CN" dirty="0"/>
+              <a:t>1.</a:t>
+            </a:r>
+            <a:r>
+              <a:rPr lang="zh-CN" altLang="en-US" dirty="0"/>
+              <a:t>没有提前明确项目范围与前景，不知道项目要做到什么程度，导致第一次作业在架构选择上比较草率。直到第二次作业才对项目的前景范围做了详细讨论</a:t>
+            </a:r>
+            <a:endParaRPr lang="en-US" altLang="zh-CN" dirty="0"/>
+          </a:p>
+          <a:p>
+            <a:pPr marL="0" indent="0">
+              <a:buNone/>
+            </a:pPr>
+            <a:endParaRPr lang="en-US" altLang="zh-CN" dirty="0"/>
+          </a:p>
+          <a:p>
+            <a:r>
+              <a:rPr lang="en-US" altLang="zh-CN" dirty="0"/>
+              <a:t>2.</a:t>
+            </a:r>
+            <a:r>
+              <a:rPr lang="zh-CN" altLang="en-US" dirty="0"/>
+              <a:t>原型简陋，项目原型以为需求服务为中心，为了便于统一小组成员对需求的理解，制作了界面原型，后续没有进行开发</a:t>
+            </a:r>
+            <a:endParaRPr lang="en-US" altLang="zh-CN" dirty="0"/>
+          </a:p>
+          <a:p>
+            <a:pPr marL="0" indent="0">
+              <a:buNone/>
+            </a:pPr>
+            <a:endParaRPr lang="zh-CN" altLang="en-US" dirty="0"/>
+          </a:p>
+        </p:txBody>
+      </p:sp>
+    </p:spTree>
+    <p:extLst>
+      <p:ext uri="{BB962C8B-B14F-4D97-AF65-F5344CB8AC3E}">
+        <p14:creationId xmlns:p14="http://schemas.microsoft.com/office/powerpoint/2010/main" val="3795739737"/>
+      </p:ext>
+    </p:extLst>
+  </p:cSld>
+  <p:clrMapOvr>
+    <a:masterClrMapping/>
+  </p:clrMapOvr>
+</p:sld>
+</file>
+
 <file path=ppt/slides/slide3.xml><?xml version="1.0" encoding="utf-8"?>
 <p:sld xmlns:a="http://schemas.openxmlformats.org/drawingml/2006/main" xmlns:r="http://schemas.openxmlformats.org/officeDocument/2006/relationships" xmlns:p="http://schemas.openxmlformats.org/presentationml/2006/main">
   <p:cSld>
@@ -8867,7 +9052,24 @@
           <a:bodyPr/>
           <a:lstStyle/>
           <a:p>
-            <a:endParaRPr lang="zh-CN" altLang="en-US" dirty="0"/>
+            <a:pPr marL="0" indent="0">
+              <a:buNone/>
+            </a:pPr>
+            <a:r>
+              <a:rPr lang="zh-CN" altLang="en-US" dirty="0"/>
+              <a:t>组长 顾昕雨</a:t>
+            </a:r>
+            <a:endParaRPr lang="en-US" altLang="zh-CN" dirty="0"/>
+          </a:p>
+          <a:p>
+            <a:pPr marL="0" indent="0">
+              <a:buNone/>
+            </a:pPr>
+            <a:r>
+              <a:rPr lang="zh-CN" altLang="en-US" dirty="0"/>
+              <a:t>组员 李一冰 刘志 顾诗玉 陆梅林 戚城武 金鑫胡子忆 </a:t>
+            </a:r>
+            <a:endParaRPr lang="en-US" altLang="zh-CN" dirty="0"/>
           </a:p>
         </p:txBody>
       </p:sp>
